--- a/Presentation/1_Nodarbība.pptx
+++ b/Presentation/1_Nodarbība.pptx
@@ -5,19 +5,25 @@
     <p:sldMasterId id="2147483660" r:id="rId1"/>
   </p:sldMasterIdLst>
   <p:notesMasterIdLst>
-    <p:notesMasterId r:id="rId12"/>
+    <p:notesMasterId r:id="rId18"/>
   </p:notesMasterIdLst>
   <p:sldIdLst>
     <p:sldId id="256" r:id="rId2"/>
-    <p:sldId id="257" r:id="rId3"/>
-    <p:sldId id="260" r:id="rId4"/>
-    <p:sldId id="261" r:id="rId5"/>
-    <p:sldId id="258" r:id="rId6"/>
-    <p:sldId id="259" r:id="rId7"/>
-    <p:sldId id="262" r:id="rId8"/>
-    <p:sldId id="263" r:id="rId9"/>
-    <p:sldId id="265" r:id="rId10"/>
-    <p:sldId id="264" r:id="rId11"/>
+    <p:sldId id="270" r:id="rId3"/>
+    <p:sldId id="257" r:id="rId4"/>
+    <p:sldId id="260" r:id="rId5"/>
+    <p:sldId id="261" r:id="rId6"/>
+    <p:sldId id="258" r:id="rId7"/>
+    <p:sldId id="259" r:id="rId8"/>
+    <p:sldId id="262" r:id="rId9"/>
+    <p:sldId id="263" r:id="rId10"/>
+    <p:sldId id="265" r:id="rId11"/>
+    <p:sldId id="264" r:id="rId12"/>
+    <p:sldId id="266" r:id="rId13"/>
+    <p:sldId id="267" r:id="rId14"/>
+    <p:sldId id="268" r:id="rId15"/>
+    <p:sldId id="271" r:id="rId16"/>
+    <p:sldId id="269" r:id="rId17"/>
   </p:sldIdLst>
   <p:sldSz cx="9144000" cy="6858000" type="screen4x3"/>
   <p:notesSz cx="6858000" cy="9144000"/>
@@ -201,7 +207,7 @@
           <a:p>
             <a:fld id="{435B41CC-910C-4D62-8DBC-532D4D90004B}" type="datetimeFigureOut">
               <a:rPr lang="en-US" smtClean="0"/>
-              <a:t>4/13/2023</a:t>
+              <a:t>4/15/2023</a:t>
             </a:fld>
             <a:endParaRPr lang="en-US"/>
           </a:p>
@@ -538,7 +544,7 @@
           <a:p>
             <a:fld id="{0C6061E3-4886-4763-85C5-CB057006EAF7}" type="slidenum">
               <a:rPr lang="en-US" smtClean="0"/>
-              <a:t>4</a:t>
+              <a:t>5</a:t>
             </a:fld>
             <a:endParaRPr lang="en-US"/>
           </a:p>
@@ -626,7 +632,7 @@
           <a:p>
             <a:fld id="{0C6061E3-4886-4763-85C5-CB057006EAF7}" type="slidenum">
               <a:rPr lang="en-US" smtClean="0"/>
-              <a:t>5</a:t>
+              <a:t>6</a:t>
             </a:fld>
             <a:endParaRPr lang="en-US"/>
           </a:p>
@@ -714,7 +720,7 @@
           <a:p>
             <a:fld id="{0C6061E3-4886-4763-85C5-CB057006EAF7}" type="slidenum">
               <a:rPr lang="en-US" smtClean="0"/>
-              <a:t>7</a:t>
+              <a:t>8</a:t>
             </a:fld>
             <a:endParaRPr lang="en-US"/>
           </a:p>
@@ -1358,7 +1364,7 @@
           <a:p>
             <a:fld id="{E3A6E196-009A-4381-9E3C-8737C16AC3B0}" type="datetime1">
               <a:rPr lang="en-US" smtClean="0"/>
-              <a:t>4/13/2023</a:t>
+              <a:t>4/15/2023</a:t>
             </a:fld>
             <a:endParaRPr lang="en-US"/>
           </a:p>
@@ -1554,7 +1560,7 @@
           <a:p>
             <a:fld id="{419A826A-5D33-4AB2-BE4B-14AA9DC79ED1}" type="datetime1">
               <a:rPr lang="en-US" smtClean="0"/>
-              <a:t>4/13/2023</a:t>
+              <a:t>4/15/2023</a:t>
             </a:fld>
             <a:endParaRPr lang="en-US"/>
           </a:p>
@@ -1739,7 +1745,7 @@
           <a:p>
             <a:fld id="{6C3E5F7A-6B4C-4FCE-8122-1CF8B010CB3A}" type="datetime1">
               <a:rPr lang="en-US" smtClean="0"/>
-              <a:t>4/13/2023</a:t>
+              <a:t>4/15/2023</a:t>
             </a:fld>
             <a:endParaRPr lang="en-US"/>
           </a:p>
@@ -1889,7 +1895,7 @@
           <a:p>
             <a:fld id="{56103545-D29E-4B30-A49B-31464738DA28}" type="datetime1">
               <a:rPr lang="en-US" smtClean="0"/>
-              <a:t>4/13/2023</a:t>
+              <a:t>4/15/2023</a:t>
             </a:fld>
             <a:endParaRPr lang="en-US"/>
           </a:p>
@@ -2144,7 +2150,7 @@
           <a:p>
             <a:fld id="{590983FE-C22D-44D0-BBD1-D16041ED3E8B}" type="datetime1">
               <a:rPr lang="en-US" smtClean="0"/>
-              <a:t>4/13/2023</a:t>
+              <a:t>4/15/2023</a:t>
             </a:fld>
             <a:endParaRPr lang="en-US"/>
           </a:p>
@@ -2553,7 +2559,7 @@
           <a:p>
             <a:fld id="{26E9C4EA-8B71-4453-AFE0-93B4DEC985A9}" type="datetime1">
               <a:rPr lang="en-US" smtClean="0"/>
-              <a:t>4/13/2023</a:t>
+              <a:t>4/15/2023</a:t>
             </a:fld>
             <a:endParaRPr lang="en-US"/>
           </a:p>
@@ -2999,7 +3005,7 @@
           <a:p>
             <a:fld id="{18B93D48-B476-4CA6-B607-80977888129F}" type="datetime1">
               <a:rPr lang="en-US" smtClean="0"/>
-              <a:t>4/13/2023</a:t>
+              <a:t>4/15/2023</a:t>
             </a:fld>
             <a:endParaRPr lang="en-US"/>
           </a:p>
@@ -3100,7 +3106,7 @@
           <a:p>
             <a:fld id="{E9B8FB47-CF6E-4B90-B05F-99A6E83099B6}" type="datetime1">
               <a:rPr lang="en-US" smtClean="0"/>
-              <a:t>4/13/2023</a:t>
+              <a:t>4/15/2023</a:t>
             </a:fld>
             <a:endParaRPr lang="en-US"/>
           </a:p>
@@ -3221,7 +3227,7 @@
           <a:p>
             <a:fld id="{FBFC81AB-4B06-4A48-9CA5-DC7876C8A6AF}" type="datetime1">
               <a:rPr lang="en-US" smtClean="0"/>
-              <a:t>4/13/2023</a:t>
+              <a:t>4/15/2023</a:t>
             </a:fld>
             <a:endParaRPr lang="en-US"/>
           </a:p>
@@ -3495,7 +3501,7 @@
           <a:p>
             <a:fld id="{406950DD-122D-42D1-993B-8458C85486E7}" type="datetime1">
               <a:rPr lang="en-US" smtClean="0"/>
-              <a:t>4/13/2023</a:t>
+              <a:t>4/15/2023</a:t>
             </a:fld>
             <a:endParaRPr lang="en-US"/>
           </a:p>
@@ -3700,7 +3706,7 @@
           <a:p>
             <a:fld id="{691F786C-C622-42BB-92B5-5F8613D6A9D0}" type="datetime1">
               <a:rPr lang="en-US" smtClean="0"/>
-              <a:t>4/13/2023</a:t>
+              <a:t>4/15/2023</a:t>
             </a:fld>
             <a:endParaRPr lang="en-US"/>
           </a:p>
@@ -4809,7 +4815,7 @@
           <a:p>
             <a:fld id="{B16B4843-FED3-409C-9B97-0F2C95B60632}" type="datetime1">
               <a:rPr lang="en-US" smtClean="0"/>
-              <a:t>4/13/2023</a:t>
+              <a:t>4/15/2023</a:t>
             </a:fld>
             <a:endParaRPr lang="en-US"/>
           </a:p>
@@ -5296,10 +5302,147 @@
   <p:clrMapOvr>
     <a:masterClrMapping/>
   </p:clrMapOvr>
+  <p:timing>
+    <p:tnLst>
+      <p:par>
+        <p:cTn id="1" dur="indefinite" restart="never" nodeType="tmRoot"/>
+      </p:par>
+    </p:tnLst>
+  </p:timing>
 </p:sld>
 </file>
 
 <file path=ppt/slides/slide10.xml><?xml version="1.0" encoding="utf-8"?>
+<p:sld xmlns:a="http://schemas.openxmlformats.org/drawingml/2006/main" xmlns:r="http://schemas.openxmlformats.org/officeDocument/2006/relationships" xmlns:p="http://schemas.openxmlformats.org/presentationml/2006/main">
+  <p:cSld>
+    <p:spTree>
+      <p:nvGrpSpPr>
+        <p:cNvPr id="1" name=""/>
+        <p:cNvGrpSpPr/>
+        <p:nvPr/>
+      </p:nvGrpSpPr>
+      <p:grpSpPr>
+        <a:xfrm>
+          <a:off x="0" y="0"/>
+          <a:ext cx="0" cy="0"/>
+          <a:chOff x="0" y="0"/>
+          <a:chExt cx="0" cy="0"/>
+        </a:xfrm>
+      </p:grpSpPr>
+      <p:sp>
+        <p:nvSpPr>
+          <p:cNvPr id="2" name="Content Placeholder 1"/>
+          <p:cNvSpPr>
+            <a:spLocks noGrp="1"/>
+          </p:cNvSpPr>
+          <p:nvPr>
+            <p:ph idx="1"/>
+          </p:nvPr>
+        </p:nvSpPr>
+        <p:spPr>
+          <a:xfrm>
+            <a:off x="457200" y="1481328"/>
+            <a:ext cx="8579296" cy="4525963"/>
+          </a:xfrm>
+        </p:spPr>
+        <p:txBody>
+          <a:bodyPr/>
+          <a:lstStyle/>
+          <a:p>
+            <a:r>
+              <a:rPr lang="en-US" dirty="0">
+                <a:hlinkClick r:id="rId2"/>
+              </a:rPr>
+              <a:t>https://github.com</a:t>
+            </a:r>
+            <a:r>
+              <a:rPr lang="en-US" dirty="0" smtClean="0">
+                <a:hlinkClick r:id="rId2"/>
+              </a:rPr>
+              <a:t>/</a:t>
+            </a:r>
+            <a:endParaRPr lang="lv-LV" dirty="0" smtClean="0"/>
+          </a:p>
+          <a:p>
+            <a:r>
+              <a:rPr lang="en-US" dirty="0">
+                <a:hlinkClick r:id="rId3"/>
+              </a:rPr>
+              <a:t>https://visualstudio.microsoft.com/vs/express</a:t>
+            </a:r>
+            <a:r>
+              <a:rPr lang="en-US" dirty="0" smtClean="0">
+                <a:hlinkClick r:id="rId3"/>
+              </a:rPr>
+              <a:t>/</a:t>
+            </a:r>
+            <a:endParaRPr lang="lv-LV" dirty="0" smtClean="0"/>
+          </a:p>
+          <a:p>
+            <a:endParaRPr lang="en-US" dirty="0"/>
+          </a:p>
+        </p:txBody>
+      </p:sp>
+      <p:sp>
+        <p:nvSpPr>
+          <p:cNvPr id="3" name="Slide Number Placeholder 2"/>
+          <p:cNvSpPr>
+            <a:spLocks noGrp="1"/>
+          </p:cNvSpPr>
+          <p:nvPr>
+            <p:ph type="sldNum" sz="quarter" idx="12"/>
+          </p:nvPr>
+        </p:nvSpPr>
+        <p:spPr/>
+        <p:txBody>
+          <a:bodyPr/>
+          <a:lstStyle/>
+          <a:p>
+            <a:fld id="{7026AADC-AE3C-43FA-A070-99E28E27F530}" type="slidenum">
+              <a:rPr lang="en-US" smtClean="0"/>
+              <a:t>10</a:t>
+            </a:fld>
+            <a:endParaRPr lang="en-US"/>
+          </a:p>
+        </p:txBody>
+      </p:sp>
+      <p:sp>
+        <p:nvSpPr>
+          <p:cNvPr id="4" name="Title 3"/>
+          <p:cNvSpPr>
+            <a:spLocks noGrp="1"/>
+          </p:cNvSpPr>
+          <p:nvPr>
+            <p:ph type="title"/>
+          </p:nvPr>
+        </p:nvSpPr>
+        <p:spPr/>
+        <p:txBody>
+          <a:bodyPr/>
+          <a:lstStyle/>
+          <a:p>
+            <a:r>
+              <a:rPr lang="lv-LV" dirty="0"/>
+              <a:t>GitHub</a:t>
+            </a:r>
+            <a:endParaRPr lang="en-US" dirty="0"/>
+          </a:p>
+        </p:txBody>
+      </p:sp>
+    </p:spTree>
+    <p:extLst>
+      <p:ext uri="{BB962C8B-B14F-4D97-AF65-F5344CB8AC3E}">
+        <p14:creationId xmlns:p14="http://schemas.microsoft.com/office/powerpoint/2010/main" val="3928957656"/>
+      </p:ext>
+    </p:extLst>
+  </p:cSld>
+  <p:clrMapOvr>
+    <a:masterClrMapping/>
+  </p:clrMapOvr>
+</p:sld>
+</file>
+
+<file path=ppt/slides/slide11.xml><?xml version="1.0" encoding="utf-8"?>
 <p:sld xmlns:a="http://schemas.openxmlformats.org/drawingml/2006/main" xmlns:r="http://schemas.openxmlformats.org/officeDocument/2006/relationships" xmlns:p="http://schemas.openxmlformats.org/presentationml/2006/main">
   <p:cSld>
     <p:spTree>
@@ -5340,7 +5483,7 @@
         </p:blipFill>
         <p:spPr>
           <a:xfrm>
-            <a:off x="1390612" y="1481138"/>
+            <a:off x="657497" y="1196752"/>
             <a:ext cx="6362775" cy="4525962"/>
           </a:xfrm>
         </p:spPr>
@@ -5362,7 +5505,7 @@
           <a:p>
             <a:fld id="{7026AADC-AE3C-43FA-A070-99E28E27F530}" type="slidenum">
               <a:rPr lang="en-US" smtClean="0"/>
-              <a:t>10</a:t>
+              <a:t>11</a:t>
             </a:fld>
             <a:endParaRPr lang="en-US"/>
           </a:p>
@@ -5383,6 +5526,40 @@
           <a:bodyPr/>
           <a:lstStyle/>
           <a:p>
+            <a:r>
+              <a:rPr lang="lv-LV" dirty="0"/>
+              <a:t>GitHub</a:t>
+            </a:r>
+            <a:endParaRPr lang="en-US" dirty="0"/>
+          </a:p>
+        </p:txBody>
+      </p:sp>
+      <p:sp>
+        <p:nvSpPr>
+          <p:cNvPr id="2" name="TextBox 1"/>
+          <p:cNvSpPr txBox="1"/>
+          <p:nvPr/>
+        </p:nvSpPr>
+        <p:spPr>
+          <a:xfrm>
+            <a:off x="5148064" y="5733256"/>
+            <a:ext cx="3600400" cy="923330"/>
+          </a:xfrm>
+          <a:prstGeom prst="rect">
+            <a:avLst/>
+          </a:prstGeom>
+          <a:noFill/>
+        </p:spPr>
+        <p:txBody>
+          <a:bodyPr wrap="square" rtlCol="0">
+            <a:spAutoFit/>
+          </a:bodyPr>
+          <a:lstStyle/>
+          <a:p>
+            <a:r>
+              <a:rPr lang="lv-LV" dirty="0" smtClean="0"/>
+              <a:t>After cloning close and open VS as administrator again, it will ask configure github user.</a:t>
+            </a:r>
             <a:endParaRPr lang="en-US" dirty="0"/>
           </a:p>
         </p:txBody>
@@ -5391,6 +5568,732 @@
     <p:extLst>
       <p:ext uri="{BB962C8B-B14F-4D97-AF65-F5344CB8AC3E}">
         <p14:creationId xmlns:p14="http://schemas.microsoft.com/office/powerpoint/2010/main" val="3420672658"/>
+      </p:ext>
+    </p:extLst>
+  </p:cSld>
+  <p:clrMapOvr>
+    <a:masterClrMapping/>
+  </p:clrMapOvr>
+</p:sld>
+</file>
+
+<file path=ppt/slides/slide12.xml><?xml version="1.0" encoding="utf-8"?>
+<p:sld xmlns:a="http://schemas.openxmlformats.org/drawingml/2006/main" xmlns:r="http://schemas.openxmlformats.org/officeDocument/2006/relationships" xmlns:p="http://schemas.openxmlformats.org/presentationml/2006/main">
+  <p:cSld>
+    <p:spTree>
+      <p:nvGrpSpPr>
+        <p:cNvPr id="1" name=""/>
+        <p:cNvGrpSpPr/>
+        <p:nvPr/>
+      </p:nvGrpSpPr>
+      <p:grpSpPr>
+        <a:xfrm>
+          <a:off x="0" y="0"/>
+          <a:ext cx="0" cy="0"/>
+          <a:chOff x="0" y="0"/>
+          <a:chExt cx="0" cy="0"/>
+        </a:xfrm>
+      </p:grpSpPr>
+      <p:sp>
+        <p:nvSpPr>
+          <p:cNvPr id="3" name="Slide Number Placeholder 2"/>
+          <p:cNvSpPr>
+            <a:spLocks noGrp="1"/>
+          </p:cNvSpPr>
+          <p:nvPr>
+            <p:ph type="sldNum" sz="quarter" idx="12"/>
+          </p:nvPr>
+        </p:nvSpPr>
+        <p:spPr/>
+        <p:txBody>
+          <a:bodyPr/>
+          <a:lstStyle/>
+          <a:p>
+            <a:fld id="{7026AADC-AE3C-43FA-A070-99E28E27F530}" type="slidenum">
+              <a:rPr lang="en-US" smtClean="0"/>
+              <a:t>12</a:t>
+            </a:fld>
+            <a:endParaRPr lang="en-US"/>
+          </a:p>
+        </p:txBody>
+      </p:sp>
+      <p:sp>
+        <p:nvSpPr>
+          <p:cNvPr id="4" name="Title 3"/>
+          <p:cNvSpPr>
+            <a:spLocks noGrp="1"/>
+          </p:cNvSpPr>
+          <p:nvPr>
+            <p:ph type="title"/>
+          </p:nvPr>
+        </p:nvSpPr>
+        <p:spPr/>
+        <p:txBody>
+          <a:bodyPr/>
+          <a:lstStyle/>
+          <a:p>
+            <a:r>
+              <a:rPr lang="lv-LV" dirty="0"/>
+              <a:t>GitHub</a:t>
+            </a:r>
+            <a:endParaRPr lang="en-US" dirty="0"/>
+          </a:p>
+        </p:txBody>
+      </p:sp>
+      <p:pic>
+        <p:nvPicPr>
+          <p:cNvPr id="1026" name="Picture 2"/>
+          <p:cNvPicPr>
+            <a:picLocks noGrp="1" noChangeAspect="1" noChangeArrowheads="1"/>
+          </p:cNvPicPr>
+          <p:nvPr>
+            <p:ph idx="1"/>
+          </p:nvPr>
+        </p:nvPicPr>
+        <p:blipFill>
+          <a:blip r:embed="rId2">
+            <a:extLst>
+              <a:ext uri="{28A0092B-C50C-407E-A947-70E740481C1C}">
+                <a14:useLocalDpi xmlns:a14="http://schemas.microsoft.com/office/drawing/2010/main" val="0"/>
+              </a:ext>
+            </a:extLst>
+          </a:blip>
+          <a:srcRect/>
+          <a:stretch>
+            <a:fillRect/>
+          </a:stretch>
+        </p:blipFill>
+        <p:spPr bwMode="auto">
+          <a:xfrm>
+            <a:off x="467544" y="1484784"/>
+            <a:ext cx="8229600" cy="1182697"/>
+          </a:xfrm>
+          <a:prstGeom prst="rect">
+            <a:avLst/>
+          </a:prstGeom>
+          <a:noFill/>
+          <a:ln>
+            <a:noFill/>
+          </a:ln>
+          <a:effectLst/>
+          <a:extLst>
+            <a:ext uri="{909E8E84-426E-40DD-AFC4-6F175D3DCCD1}">
+              <a14:hiddenFill xmlns:a14="http://schemas.microsoft.com/office/drawing/2010/main">
+                <a:solidFill>
+                  <a:schemeClr val="accent1"/>
+                </a:solidFill>
+              </a14:hiddenFill>
+            </a:ext>
+            <a:ext uri="{91240B29-F687-4F45-9708-019B960494DF}">
+              <a14:hiddenLine xmlns:a14="http://schemas.microsoft.com/office/drawing/2010/main" w="9525">
+                <a:solidFill>
+                  <a:schemeClr val="tx1"/>
+                </a:solidFill>
+                <a:miter lim="800000"/>
+                <a:headEnd/>
+                <a:tailEnd/>
+              </a14:hiddenLine>
+            </a:ext>
+            <a:ext uri="{AF507438-7753-43E0-B8FC-AC1667EBCBE1}">
+              <a14:hiddenEffects xmlns:a14="http://schemas.microsoft.com/office/drawing/2010/main">
+                <a:effectLst>
+                  <a:outerShdw dist="35921" dir="2700000" algn="ctr" rotWithShape="0">
+                    <a:schemeClr val="bg2"/>
+                  </a:outerShdw>
+                </a:effectLst>
+              </a14:hiddenEffects>
+            </a:ext>
+          </a:extLst>
+        </p:spPr>
+      </p:pic>
+      <p:pic>
+        <p:nvPicPr>
+          <p:cNvPr id="1027" name="Picture 3"/>
+          <p:cNvPicPr>
+            <a:picLocks noChangeAspect="1" noChangeArrowheads="1"/>
+          </p:cNvPicPr>
+          <p:nvPr/>
+        </p:nvPicPr>
+        <p:blipFill>
+          <a:blip r:embed="rId3">
+            <a:extLst>
+              <a:ext uri="{28A0092B-C50C-407E-A947-70E740481C1C}">
+                <a14:useLocalDpi xmlns:a14="http://schemas.microsoft.com/office/drawing/2010/main" val="0"/>
+              </a:ext>
+            </a:extLst>
+          </a:blip>
+          <a:srcRect/>
+          <a:stretch>
+            <a:fillRect/>
+          </a:stretch>
+        </p:blipFill>
+        <p:spPr bwMode="auto">
+          <a:xfrm>
+            <a:off x="467544" y="2708920"/>
+            <a:ext cx="8243320" cy="1512168"/>
+          </a:xfrm>
+          <a:prstGeom prst="rect">
+            <a:avLst/>
+          </a:prstGeom>
+          <a:noFill/>
+          <a:ln>
+            <a:noFill/>
+          </a:ln>
+          <a:effectLst/>
+          <a:extLst>
+            <a:ext uri="{909E8E84-426E-40DD-AFC4-6F175D3DCCD1}">
+              <a14:hiddenFill xmlns:a14="http://schemas.microsoft.com/office/drawing/2010/main">
+                <a:solidFill>
+                  <a:schemeClr val="accent1"/>
+                </a:solidFill>
+              </a14:hiddenFill>
+            </a:ext>
+            <a:ext uri="{91240B29-F687-4F45-9708-019B960494DF}">
+              <a14:hiddenLine xmlns:a14="http://schemas.microsoft.com/office/drawing/2010/main" w="9525">
+                <a:solidFill>
+                  <a:schemeClr val="tx1"/>
+                </a:solidFill>
+                <a:miter lim="800000"/>
+                <a:headEnd/>
+                <a:tailEnd/>
+              </a14:hiddenLine>
+            </a:ext>
+            <a:ext uri="{AF507438-7753-43E0-B8FC-AC1667EBCBE1}">
+              <a14:hiddenEffects xmlns:a14="http://schemas.microsoft.com/office/drawing/2010/main">
+                <a:effectLst>
+                  <a:outerShdw dist="35921" dir="2700000" algn="ctr" rotWithShape="0">
+                    <a:schemeClr val="bg2"/>
+                  </a:outerShdw>
+                </a:effectLst>
+              </a14:hiddenEffects>
+            </a:ext>
+          </a:extLst>
+        </p:spPr>
+      </p:pic>
+    </p:spTree>
+    <p:extLst>
+      <p:ext uri="{BB962C8B-B14F-4D97-AF65-F5344CB8AC3E}">
+        <p14:creationId xmlns:p14="http://schemas.microsoft.com/office/powerpoint/2010/main" val="30379040"/>
+      </p:ext>
+    </p:extLst>
+  </p:cSld>
+  <p:clrMapOvr>
+    <a:masterClrMapping/>
+  </p:clrMapOvr>
+</p:sld>
+</file>
+
+<file path=ppt/slides/slide13.xml><?xml version="1.0" encoding="utf-8"?>
+<p:sld xmlns:a="http://schemas.openxmlformats.org/drawingml/2006/main" xmlns:r="http://schemas.openxmlformats.org/officeDocument/2006/relationships" xmlns:p="http://schemas.openxmlformats.org/presentationml/2006/main">
+  <p:cSld>
+    <p:spTree>
+      <p:nvGrpSpPr>
+        <p:cNvPr id="1" name=""/>
+        <p:cNvGrpSpPr/>
+        <p:nvPr/>
+      </p:nvGrpSpPr>
+      <p:grpSpPr>
+        <a:xfrm>
+          <a:off x="0" y="0"/>
+          <a:ext cx="0" cy="0"/>
+          <a:chOff x="0" y="0"/>
+          <a:chExt cx="0" cy="0"/>
+        </a:xfrm>
+      </p:grpSpPr>
+      <p:sp>
+        <p:nvSpPr>
+          <p:cNvPr id="3" name="Slide Number Placeholder 2"/>
+          <p:cNvSpPr>
+            <a:spLocks noGrp="1"/>
+          </p:cNvSpPr>
+          <p:nvPr>
+            <p:ph type="sldNum" sz="quarter" idx="12"/>
+          </p:nvPr>
+        </p:nvSpPr>
+        <p:spPr/>
+        <p:txBody>
+          <a:bodyPr/>
+          <a:lstStyle/>
+          <a:p>
+            <a:fld id="{7026AADC-AE3C-43FA-A070-99E28E27F530}" type="slidenum">
+              <a:rPr lang="en-US" smtClean="0"/>
+              <a:t>13</a:t>
+            </a:fld>
+            <a:endParaRPr lang="en-US"/>
+          </a:p>
+        </p:txBody>
+      </p:sp>
+      <p:sp>
+        <p:nvSpPr>
+          <p:cNvPr id="4" name="Title 3"/>
+          <p:cNvSpPr>
+            <a:spLocks noGrp="1"/>
+          </p:cNvSpPr>
+          <p:nvPr>
+            <p:ph type="title"/>
+          </p:nvPr>
+        </p:nvSpPr>
+        <p:spPr/>
+        <p:txBody>
+          <a:bodyPr/>
+          <a:lstStyle/>
+          <a:p>
+            <a:r>
+              <a:rPr lang="lv-LV" dirty="0"/>
+              <a:t>GitHub</a:t>
+            </a:r>
+            <a:endParaRPr lang="en-US" dirty="0"/>
+          </a:p>
+        </p:txBody>
+      </p:sp>
+      <p:pic>
+        <p:nvPicPr>
+          <p:cNvPr id="2050" name="Picture 2"/>
+          <p:cNvPicPr>
+            <a:picLocks noGrp="1" noChangeAspect="1" noChangeArrowheads="1"/>
+          </p:cNvPicPr>
+          <p:nvPr>
+            <p:ph idx="1"/>
+          </p:nvPr>
+        </p:nvPicPr>
+        <p:blipFill>
+          <a:blip r:embed="rId2">
+            <a:extLst>
+              <a:ext uri="{28A0092B-C50C-407E-A947-70E740481C1C}">
+                <a14:useLocalDpi xmlns:a14="http://schemas.microsoft.com/office/drawing/2010/main" val="0"/>
+              </a:ext>
+            </a:extLst>
+          </a:blip>
+          <a:srcRect/>
+          <a:stretch>
+            <a:fillRect/>
+          </a:stretch>
+        </p:blipFill>
+        <p:spPr bwMode="auto">
+          <a:xfrm>
+            <a:off x="395536" y="1484784"/>
+            <a:ext cx="8229600" cy="4234580"/>
+          </a:xfrm>
+          <a:prstGeom prst="rect">
+            <a:avLst/>
+          </a:prstGeom>
+          <a:noFill/>
+          <a:ln>
+            <a:noFill/>
+          </a:ln>
+          <a:effectLst/>
+          <a:extLst>
+            <a:ext uri="{909E8E84-426E-40DD-AFC4-6F175D3DCCD1}">
+              <a14:hiddenFill xmlns:a14="http://schemas.microsoft.com/office/drawing/2010/main">
+                <a:solidFill>
+                  <a:schemeClr val="accent1"/>
+                </a:solidFill>
+              </a14:hiddenFill>
+            </a:ext>
+            <a:ext uri="{91240B29-F687-4F45-9708-019B960494DF}">
+              <a14:hiddenLine xmlns:a14="http://schemas.microsoft.com/office/drawing/2010/main" w="9525">
+                <a:solidFill>
+                  <a:schemeClr val="tx1"/>
+                </a:solidFill>
+                <a:miter lim="800000"/>
+                <a:headEnd/>
+                <a:tailEnd/>
+              </a14:hiddenLine>
+            </a:ext>
+            <a:ext uri="{AF507438-7753-43E0-B8FC-AC1667EBCBE1}">
+              <a14:hiddenEffects xmlns:a14="http://schemas.microsoft.com/office/drawing/2010/main">
+                <a:effectLst>
+                  <a:outerShdw dist="35921" dir="2700000" algn="ctr" rotWithShape="0">
+                    <a:schemeClr val="bg2"/>
+                  </a:outerShdw>
+                </a:effectLst>
+              </a14:hiddenEffects>
+            </a:ext>
+          </a:extLst>
+        </p:spPr>
+      </p:pic>
+    </p:spTree>
+    <p:extLst>
+      <p:ext uri="{BB962C8B-B14F-4D97-AF65-F5344CB8AC3E}">
+        <p14:creationId xmlns:p14="http://schemas.microsoft.com/office/powerpoint/2010/main" val="397984313"/>
+      </p:ext>
+    </p:extLst>
+  </p:cSld>
+  <p:clrMapOvr>
+    <a:masterClrMapping/>
+  </p:clrMapOvr>
+</p:sld>
+</file>
+
+<file path=ppt/slides/slide14.xml><?xml version="1.0" encoding="utf-8"?>
+<p:sld xmlns:a="http://schemas.openxmlformats.org/drawingml/2006/main" xmlns:r="http://schemas.openxmlformats.org/officeDocument/2006/relationships" xmlns:p="http://schemas.openxmlformats.org/presentationml/2006/main">
+  <p:cSld>
+    <p:spTree>
+      <p:nvGrpSpPr>
+        <p:cNvPr id="1" name=""/>
+        <p:cNvGrpSpPr/>
+        <p:nvPr/>
+      </p:nvGrpSpPr>
+      <p:grpSpPr>
+        <a:xfrm>
+          <a:off x="0" y="0"/>
+          <a:ext cx="0" cy="0"/>
+          <a:chOff x="0" y="0"/>
+          <a:chExt cx="0" cy="0"/>
+        </a:xfrm>
+      </p:grpSpPr>
+      <p:sp>
+        <p:nvSpPr>
+          <p:cNvPr id="3" name="Slide Number Placeholder 2"/>
+          <p:cNvSpPr>
+            <a:spLocks noGrp="1"/>
+          </p:cNvSpPr>
+          <p:nvPr>
+            <p:ph type="sldNum" sz="quarter" idx="12"/>
+          </p:nvPr>
+        </p:nvSpPr>
+        <p:spPr/>
+        <p:txBody>
+          <a:bodyPr/>
+          <a:lstStyle/>
+          <a:p>
+            <a:fld id="{7026AADC-AE3C-43FA-A070-99E28E27F530}" type="slidenum">
+              <a:rPr lang="en-US" smtClean="0"/>
+              <a:t>14</a:t>
+            </a:fld>
+            <a:endParaRPr lang="en-US"/>
+          </a:p>
+        </p:txBody>
+      </p:sp>
+      <p:sp>
+        <p:nvSpPr>
+          <p:cNvPr id="4" name="Title 3"/>
+          <p:cNvSpPr>
+            <a:spLocks noGrp="1"/>
+          </p:cNvSpPr>
+          <p:nvPr>
+            <p:ph type="title"/>
+          </p:nvPr>
+        </p:nvSpPr>
+        <p:spPr/>
+        <p:txBody>
+          <a:bodyPr/>
+          <a:lstStyle/>
+          <a:p>
+            <a:r>
+              <a:rPr lang="lv-LV" dirty="0"/>
+              <a:t>GitHub</a:t>
+            </a:r>
+            <a:endParaRPr lang="en-US" dirty="0"/>
+          </a:p>
+        </p:txBody>
+      </p:sp>
+      <p:pic>
+        <p:nvPicPr>
+          <p:cNvPr id="3074" name="Picture 2"/>
+          <p:cNvPicPr>
+            <a:picLocks noGrp="1" noChangeAspect="1" noChangeArrowheads="1"/>
+          </p:cNvPicPr>
+          <p:nvPr>
+            <p:ph idx="1"/>
+          </p:nvPr>
+        </p:nvPicPr>
+        <p:blipFill>
+          <a:blip r:embed="rId2">
+            <a:extLst>
+              <a:ext uri="{28A0092B-C50C-407E-A947-70E740481C1C}">
+                <a14:useLocalDpi xmlns:a14="http://schemas.microsoft.com/office/drawing/2010/main" val="0"/>
+              </a:ext>
+            </a:extLst>
+          </a:blip>
+          <a:srcRect/>
+          <a:stretch>
+            <a:fillRect/>
+          </a:stretch>
+        </p:blipFill>
+        <p:spPr bwMode="auto">
+          <a:xfrm>
+            <a:off x="457200" y="1825867"/>
+            <a:ext cx="8229600" cy="3836504"/>
+          </a:xfrm>
+          <a:prstGeom prst="rect">
+            <a:avLst/>
+          </a:prstGeom>
+          <a:noFill/>
+          <a:ln>
+            <a:noFill/>
+          </a:ln>
+          <a:effectLst/>
+          <a:extLst>
+            <a:ext uri="{909E8E84-426E-40DD-AFC4-6F175D3DCCD1}">
+              <a14:hiddenFill xmlns:a14="http://schemas.microsoft.com/office/drawing/2010/main">
+                <a:solidFill>
+                  <a:schemeClr val="accent1"/>
+                </a:solidFill>
+              </a14:hiddenFill>
+            </a:ext>
+            <a:ext uri="{91240B29-F687-4F45-9708-019B960494DF}">
+              <a14:hiddenLine xmlns:a14="http://schemas.microsoft.com/office/drawing/2010/main" w="9525">
+                <a:solidFill>
+                  <a:schemeClr val="tx1"/>
+                </a:solidFill>
+                <a:miter lim="800000"/>
+                <a:headEnd/>
+                <a:tailEnd/>
+              </a14:hiddenLine>
+            </a:ext>
+            <a:ext uri="{AF507438-7753-43E0-B8FC-AC1667EBCBE1}">
+              <a14:hiddenEffects xmlns:a14="http://schemas.microsoft.com/office/drawing/2010/main">
+                <a:effectLst>
+                  <a:outerShdw dist="35921" dir="2700000" algn="ctr" rotWithShape="0">
+                    <a:schemeClr val="bg2"/>
+                  </a:outerShdw>
+                </a:effectLst>
+              </a14:hiddenEffects>
+            </a:ext>
+          </a:extLst>
+        </p:spPr>
+      </p:pic>
+    </p:spTree>
+    <p:extLst>
+      <p:ext uri="{BB962C8B-B14F-4D97-AF65-F5344CB8AC3E}">
+        <p14:creationId xmlns:p14="http://schemas.microsoft.com/office/powerpoint/2010/main" val="4185373434"/>
+      </p:ext>
+    </p:extLst>
+  </p:cSld>
+  <p:clrMapOvr>
+    <a:masterClrMapping/>
+  </p:clrMapOvr>
+</p:sld>
+</file>
+
+<file path=ppt/slides/slide15.xml><?xml version="1.0" encoding="utf-8"?>
+<p:sld xmlns:a="http://schemas.openxmlformats.org/drawingml/2006/main" xmlns:r="http://schemas.openxmlformats.org/officeDocument/2006/relationships" xmlns:p="http://schemas.openxmlformats.org/presentationml/2006/main">
+  <p:cSld>
+    <p:spTree>
+      <p:nvGrpSpPr>
+        <p:cNvPr id="1" name=""/>
+        <p:cNvGrpSpPr/>
+        <p:nvPr/>
+      </p:nvGrpSpPr>
+      <p:grpSpPr>
+        <a:xfrm>
+          <a:off x="0" y="0"/>
+          <a:ext cx="0" cy="0"/>
+          <a:chOff x="0" y="0"/>
+          <a:chExt cx="0" cy="0"/>
+        </a:xfrm>
+      </p:grpSpPr>
+      <p:sp>
+        <p:nvSpPr>
+          <p:cNvPr id="2" name="Content Placeholder 1"/>
+          <p:cNvSpPr>
+            <a:spLocks noGrp="1"/>
+          </p:cNvSpPr>
+          <p:nvPr>
+            <p:ph idx="1"/>
+          </p:nvPr>
+        </p:nvSpPr>
+        <p:spPr/>
+        <p:txBody>
+          <a:bodyPr/>
+          <a:lstStyle/>
+          <a:p>
+            <a:endParaRPr lang="en-US"/>
+          </a:p>
+        </p:txBody>
+      </p:sp>
+      <p:sp>
+        <p:nvSpPr>
+          <p:cNvPr id="3" name="Slide Number Placeholder 2"/>
+          <p:cNvSpPr>
+            <a:spLocks noGrp="1"/>
+          </p:cNvSpPr>
+          <p:nvPr>
+            <p:ph type="sldNum" sz="quarter" idx="12"/>
+          </p:nvPr>
+        </p:nvSpPr>
+        <p:spPr/>
+        <p:txBody>
+          <a:bodyPr/>
+          <a:lstStyle/>
+          <a:p>
+            <a:fld id="{7026AADC-AE3C-43FA-A070-99E28E27F530}" type="slidenum">
+              <a:rPr lang="en-US" smtClean="0"/>
+              <a:t>15</a:t>
+            </a:fld>
+            <a:endParaRPr lang="en-US"/>
+          </a:p>
+        </p:txBody>
+      </p:sp>
+      <p:sp>
+        <p:nvSpPr>
+          <p:cNvPr id="4" name="Title 3"/>
+          <p:cNvSpPr>
+            <a:spLocks noGrp="1"/>
+          </p:cNvSpPr>
+          <p:nvPr>
+            <p:ph type="title"/>
+          </p:nvPr>
+        </p:nvSpPr>
+        <p:spPr/>
+        <p:txBody>
+          <a:bodyPr/>
+          <a:lstStyle/>
+          <a:p>
+            <a:r>
+              <a:rPr lang="lv-LV" dirty="0"/>
+              <a:t>GitHub</a:t>
+            </a:r>
+            <a:endParaRPr lang="en-US" dirty="0"/>
+          </a:p>
+        </p:txBody>
+      </p:sp>
+    </p:spTree>
+    <p:extLst>
+      <p:ext uri="{BB962C8B-B14F-4D97-AF65-F5344CB8AC3E}">
+        <p14:creationId xmlns:p14="http://schemas.microsoft.com/office/powerpoint/2010/main" val="1229946874"/>
+      </p:ext>
+    </p:extLst>
+  </p:cSld>
+  <p:clrMapOvr>
+    <a:masterClrMapping/>
+  </p:clrMapOvr>
+</p:sld>
+</file>
+
+<file path=ppt/slides/slide16.xml><?xml version="1.0" encoding="utf-8"?>
+<p:sld xmlns:a="http://schemas.openxmlformats.org/drawingml/2006/main" xmlns:r="http://schemas.openxmlformats.org/officeDocument/2006/relationships" xmlns:p="http://schemas.openxmlformats.org/presentationml/2006/main">
+  <p:cSld>
+    <p:spTree>
+      <p:nvGrpSpPr>
+        <p:cNvPr id="1" name=""/>
+        <p:cNvGrpSpPr/>
+        <p:nvPr/>
+      </p:nvGrpSpPr>
+      <p:grpSpPr>
+        <a:xfrm>
+          <a:off x="0" y="0"/>
+          <a:ext cx="0" cy="0"/>
+          <a:chOff x="0" y="0"/>
+          <a:chExt cx="0" cy="0"/>
+        </a:xfrm>
+      </p:grpSpPr>
+      <p:sp>
+        <p:nvSpPr>
+          <p:cNvPr id="2" name="Content Placeholder 1"/>
+          <p:cNvSpPr>
+            <a:spLocks noGrp="1"/>
+          </p:cNvSpPr>
+          <p:nvPr>
+            <p:ph idx="1"/>
+          </p:nvPr>
+        </p:nvSpPr>
+        <p:spPr/>
+        <p:txBody>
+          <a:bodyPr/>
+          <a:lstStyle/>
+          <a:p>
+            <a:r>
+              <a:rPr lang="lv-LV" dirty="0" smtClean="0"/>
+              <a:t>Izveidojies savu repo ar folderiem:</a:t>
+            </a:r>
+          </a:p>
+          <a:p>
+            <a:pPr marL="624078" indent="-514350">
+              <a:buFont typeface="+mj-lt"/>
+              <a:buAutoNum type="arabicPeriod"/>
+            </a:pPr>
+            <a:r>
+              <a:rPr lang="lv-LV" b="1" dirty="0" smtClean="0"/>
+              <a:t>Documents</a:t>
+            </a:r>
+            <a:r>
+              <a:rPr lang="lv-LV" dirty="0" smtClean="0"/>
+              <a:t> – visada veida dokumentācijai, ko gribat paturēt</a:t>
+            </a:r>
+          </a:p>
+          <a:p>
+            <a:pPr marL="624078" indent="-514350">
+              <a:buFont typeface="+mj-lt"/>
+              <a:buAutoNum type="arabicPeriod"/>
+            </a:pPr>
+            <a:r>
+              <a:rPr lang="lv-LV" b="1" dirty="0" smtClean="0"/>
+              <a:t>Homeworks</a:t>
+            </a:r>
+            <a:r>
+              <a:rPr lang="lv-LV" dirty="0" smtClean="0"/>
+              <a:t> – izpildītie mājas darbi</a:t>
+            </a:r>
+          </a:p>
+          <a:p>
+            <a:pPr marL="624078" indent="-514350">
+              <a:buFont typeface="+mj-lt"/>
+              <a:buAutoNum type="arabicPeriod"/>
+            </a:pPr>
+            <a:r>
+              <a:rPr lang="lv-LV" b="1" dirty="0" smtClean="0"/>
+              <a:t>Exercises</a:t>
+            </a:r>
+            <a:r>
+              <a:rPr lang="lv-LV" dirty="0" smtClean="0"/>
+              <a:t> – Darbiņi ko darīsiet nodarbībās</a:t>
+            </a:r>
+            <a:endParaRPr lang="en-US" dirty="0"/>
+          </a:p>
+        </p:txBody>
+      </p:sp>
+      <p:sp>
+        <p:nvSpPr>
+          <p:cNvPr id="3" name="Slide Number Placeholder 2"/>
+          <p:cNvSpPr>
+            <a:spLocks noGrp="1"/>
+          </p:cNvSpPr>
+          <p:nvPr>
+            <p:ph type="sldNum" sz="quarter" idx="12"/>
+          </p:nvPr>
+        </p:nvSpPr>
+        <p:spPr/>
+        <p:txBody>
+          <a:bodyPr/>
+          <a:lstStyle/>
+          <a:p>
+            <a:fld id="{7026AADC-AE3C-43FA-A070-99E28E27F530}" type="slidenum">
+              <a:rPr lang="en-US" smtClean="0"/>
+              <a:t>16</a:t>
+            </a:fld>
+            <a:endParaRPr lang="en-US"/>
+          </a:p>
+        </p:txBody>
+      </p:sp>
+      <p:sp>
+        <p:nvSpPr>
+          <p:cNvPr id="4" name="Title 3"/>
+          <p:cNvSpPr>
+            <a:spLocks noGrp="1"/>
+          </p:cNvSpPr>
+          <p:nvPr>
+            <p:ph type="title"/>
+          </p:nvPr>
+        </p:nvSpPr>
+        <p:spPr/>
+        <p:txBody>
+          <a:bodyPr/>
+          <a:lstStyle/>
+          <a:p>
+            <a:r>
+              <a:rPr lang="en-US" dirty="0" err="1"/>
+              <a:t>GitHub</a:t>
+            </a:r>
+            <a:endParaRPr lang="en-US" dirty="0"/>
+          </a:p>
+        </p:txBody>
+      </p:sp>
+    </p:spTree>
+    <p:extLst>
+      <p:ext uri="{BB962C8B-B14F-4D97-AF65-F5344CB8AC3E}">
+        <p14:creationId xmlns:p14="http://schemas.microsoft.com/office/powerpoint/2010/main" val="943638594"/>
       </p:ext>
     </p:extLst>
   </p:cSld>
@@ -5432,80 +6335,29 @@
           <a:bodyPr/>
           <a:lstStyle/>
           <a:p>
-            <a:pPr marL="624078" indent="-514350">
-              <a:buFont typeface="+mj-lt"/>
-              <a:buAutoNum type="arabicPeriod"/>
-            </a:pPr>
             <a:r>
               <a:rPr lang="lv-LV" dirty="0" smtClean="0"/>
-              <a:t>Kas ir Javascript (JS)?</a:t>
-            </a:r>
-          </a:p>
-          <a:p>
-            <a:pPr marL="624078" indent="-514350">
-              <a:buFont typeface="+mj-lt"/>
-              <a:buAutoNum type="arabicPeriod"/>
-            </a:pPr>
+              <a:t>Kā mani sauc?</a:t>
+            </a:r>
+          </a:p>
+          <a:p>
             <a:r>
               <a:rPr lang="lv-LV" dirty="0" smtClean="0"/>
-              <a:t>GitHub</a:t>
-            </a:r>
-          </a:p>
-          <a:p>
-            <a:pPr marL="624078" indent="-514350">
-              <a:buFont typeface="+mj-lt"/>
-              <a:buAutoNum type="arabicPeriod"/>
-            </a:pPr>
+              <a:t>Kas pamudināja mācīties?</a:t>
+            </a:r>
+          </a:p>
+          <a:p>
             <a:r>
               <a:rPr lang="lv-LV" dirty="0" smtClean="0"/>
-              <a:t>HTML pamati</a:t>
-            </a:r>
-          </a:p>
-          <a:p>
-            <a:pPr marL="624078" indent="-514350">
-              <a:buFont typeface="+mj-lt"/>
-              <a:buAutoNum type="arabicPeriod"/>
-            </a:pPr>
-            <a:r>
-              <a:rPr lang="lv-LV" dirty="0" smtClean="0"/>
-              <a:t>Javascript integracija HTML kodā</a:t>
-            </a:r>
-          </a:p>
-          <a:p>
-            <a:pPr marL="624078" indent="-514350">
-              <a:buFont typeface="+mj-lt"/>
-              <a:buAutoNum type="arabicPeriod"/>
-            </a:pPr>
+              <a:t>Ko esmu jau paspējis apskatīt?</a:t>
+            </a:r>
             <a:endParaRPr lang="en-US" dirty="0"/>
           </a:p>
         </p:txBody>
       </p:sp>
       <p:sp>
         <p:nvSpPr>
-          <p:cNvPr id="3" name="Title 2"/>
-          <p:cNvSpPr>
-            <a:spLocks noGrp="1"/>
-          </p:cNvSpPr>
-          <p:nvPr>
-            <p:ph type="title"/>
-          </p:nvPr>
-        </p:nvSpPr>
-        <p:spPr/>
-        <p:txBody>
-          <a:bodyPr/>
-          <a:lstStyle/>
-          <a:p>
-            <a:r>
-              <a:rPr lang="lv-LV" dirty="0" smtClean="0"/>
-              <a:t>Tēmas</a:t>
-            </a:r>
-            <a:endParaRPr lang="en-US" dirty="0"/>
-          </a:p>
-        </p:txBody>
-      </p:sp>
-      <p:sp>
-        <p:nvSpPr>
-          <p:cNvPr id="5" name="Slide Number Placeholder 4"/>
+          <p:cNvPr id="3" name="Slide Number Placeholder 2"/>
           <p:cNvSpPr>
             <a:spLocks noGrp="1"/>
           </p:cNvSpPr>
@@ -5526,16 +6378,46 @@
           </a:p>
         </p:txBody>
       </p:sp>
+      <p:sp>
+        <p:nvSpPr>
+          <p:cNvPr id="4" name="Title 3"/>
+          <p:cNvSpPr>
+            <a:spLocks noGrp="1"/>
+          </p:cNvSpPr>
+          <p:nvPr>
+            <p:ph type="title"/>
+          </p:nvPr>
+        </p:nvSpPr>
+        <p:spPr/>
+        <p:txBody>
+          <a:bodyPr/>
+          <a:lstStyle/>
+          <a:p>
+            <a:r>
+              <a:rPr lang="lv-LV" dirty="0" smtClean="0"/>
+              <a:t>Iepazīsimies?</a:t>
+            </a:r>
+            <a:endParaRPr lang="en-US" dirty="0"/>
+          </a:p>
+        </p:txBody>
+      </p:sp>
     </p:spTree>
     <p:extLst>
       <p:ext uri="{BB962C8B-B14F-4D97-AF65-F5344CB8AC3E}">
-        <p14:creationId xmlns:p14="http://schemas.microsoft.com/office/powerpoint/2010/main" val="547925660"/>
+        <p14:creationId xmlns:p14="http://schemas.microsoft.com/office/powerpoint/2010/main" val="2547577378"/>
       </p:ext>
     </p:extLst>
   </p:cSld>
   <p:clrMapOvr>
     <a:masterClrMapping/>
   </p:clrMapOvr>
+  <p:timing>
+    <p:tnLst>
+      <p:par>
+        <p:cTn id="1" dur="indefinite" restart="never" nodeType="tmRoot"/>
+      </p:par>
+    </p:tnLst>
+  </p:timing>
 </p:sld>
 </file>
 
@@ -5568,101 +6450,83 @@
         </p:nvSpPr>
         <p:spPr/>
         <p:txBody>
-          <a:bodyPr>
-            <a:normAutofit fontScale="85000" lnSpcReduction="10000"/>
-          </a:bodyPr>
+          <a:bodyPr/>
           <a:lstStyle/>
           <a:p>
-            <a:r>
-              <a:rPr lang="en-US" dirty="0"/>
-              <a:t>JavaScript (</a:t>
-            </a:r>
-            <a:r>
-              <a:rPr lang="en-US" dirty="0" err="1"/>
-              <a:t>js</a:t>
-            </a:r>
-            <a:r>
-              <a:rPr lang="en-US" dirty="0"/>
-              <a:t>) </a:t>
-            </a:r>
+            <a:pPr marL="624078" indent="-514350">
+              <a:buFont typeface="+mj-lt"/>
+              <a:buAutoNum type="arabicPeriod"/>
+            </a:pPr>
             <a:r>
               <a:rPr lang="lv-LV" dirty="0" smtClean="0"/>
-              <a:t>ir viegla objektorientēta programmēšanas valoda, kas tiek izmantota web lapu izstrādē, lai nodrošinātu lapai dinamiskumu.</a:t>
-            </a:r>
-          </a:p>
-          <a:p>
+              <a:t>Kas ir Javascript (JS)?</a:t>
+            </a:r>
+          </a:p>
+          <a:p>
+            <a:pPr marL="624078" indent="-514350">
+              <a:buFont typeface="+mj-lt"/>
+              <a:buAutoNum type="arabicPeriod"/>
+            </a:pPr>
             <a:r>
               <a:rPr lang="lv-LV" dirty="0" smtClean="0"/>
-              <a:t>Pirmā web pārlūkprogramma ar grafisko user-interface Mosaic (1993)</a:t>
-            </a:r>
-          </a:p>
-          <a:p>
-            <a:r>
-              <a:rPr lang="en-US" dirty="0" smtClean="0"/>
-              <a:t>Netscape Navigator</a:t>
-            </a:r>
+              <a:t>GitHub</a:t>
+            </a:r>
+          </a:p>
+          <a:p>
+            <a:pPr marL="624078" indent="-514350">
+              <a:buFont typeface="+mj-lt"/>
+              <a:buAutoNum type="arabicPeriod"/>
+            </a:pPr>
             <a:r>
               <a:rPr lang="lv-LV" dirty="0" smtClean="0"/>
-              <a:t> – uzlabota versija </a:t>
-            </a:r>
-            <a:r>
-              <a:rPr lang="en-US" dirty="0" smtClean="0"/>
-              <a:t>1994</a:t>
-            </a:r>
-            <a:endParaRPr lang="lv-LV" dirty="0" smtClean="0"/>
-          </a:p>
-          <a:p>
+              <a:t>HTML pamati</a:t>
+            </a:r>
+          </a:p>
+          <a:p>
+            <a:pPr marL="624078" indent="-514350">
+              <a:buFont typeface="+mj-lt"/>
+              <a:buAutoNum type="arabicPeriod"/>
+            </a:pPr>
             <a:r>
               <a:rPr lang="lv-LV" dirty="0" smtClean="0"/>
-              <a:t>Problēma: w</a:t>
-            </a:r>
-            <a:r>
-              <a:rPr lang="en-US" dirty="0" err="1" smtClean="0"/>
-              <a:t>eb</a:t>
-            </a:r>
+              <a:t>Javascript integracija HTML kodā</a:t>
+            </a:r>
+          </a:p>
+          <a:p>
+            <a:pPr marL="624078" indent="-514350">
+              <a:buFont typeface="+mj-lt"/>
+              <a:buAutoNum type="arabicPeriod"/>
+            </a:pPr>
+            <a:endParaRPr lang="en-US" dirty="0"/>
+          </a:p>
+        </p:txBody>
+      </p:sp>
+      <p:sp>
+        <p:nvSpPr>
+          <p:cNvPr id="3" name="Title 2"/>
+          <p:cNvSpPr>
+            <a:spLocks noGrp="1"/>
+          </p:cNvSpPr>
+          <p:nvPr>
+            <p:ph type="title"/>
+          </p:nvPr>
+        </p:nvSpPr>
+        <p:spPr/>
+        <p:txBody>
+          <a:bodyPr/>
+          <a:lstStyle/>
+          <a:p>
             <a:r>
               <a:rPr lang="lv-LV" dirty="0" smtClean="0"/>
-              <a:t> lapas bija tikai statiskas(trūka iespēja pēc dinamiskas uzvedības)</a:t>
-            </a:r>
-          </a:p>
-          <a:p>
-            <a:r>
-              <a:rPr lang="en-US" dirty="0"/>
-              <a:t>Netscape </a:t>
-            </a:r>
-            <a:r>
-              <a:rPr lang="lv-LV" dirty="0" smtClean="0"/>
-              <a:t>vadība izlēma veidot jaunu programmešanas valodu, kas uzbūvē būtu līdzīga Java</a:t>
-            </a:r>
-            <a:r>
-              <a:rPr lang="lv-LV" dirty="0"/>
-              <a:t> </a:t>
-            </a:r>
-            <a:r>
-              <a:rPr lang="lv-LV" dirty="0" smtClean="0"/>
-              <a:t>un nocausa to par </a:t>
-            </a:r>
-            <a:r>
-              <a:rPr lang="en-US" dirty="0" err="1" smtClean="0"/>
-              <a:t>LiveScript</a:t>
-            </a:r>
-            <a:r>
-              <a:rPr lang="lv-LV" dirty="0" smtClean="0"/>
-              <a:t>, bet vēlāk pārsauca par JavaScript.</a:t>
-            </a:r>
-          </a:p>
-          <a:p>
-            <a:r>
-              <a:rPr lang="lv-LV" dirty="0" smtClean="0"/>
-              <a:t>JavaScript dzimšanas diena: 1995.gada 4. decembris</a:t>
-            </a:r>
-            <a:endParaRPr lang="lv-LV" dirty="0"/>
-          </a:p>
-        </p:txBody>
-      </p:sp>
-      <p:sp>
-        <p:nvSpPr>
-          <p:cNvPr id="3" name="Slide Number Placeholder 2"/>
+              <a:t>Tēmas</a:t>
+            </a:r>
+            <a:endParaRPr lang="en-US" dirty="0"/>
+          </a:p>
+        </p:txBody>
+      </p:sp>
+      <p:sp>
+        <p:nvSpPr>
+          <p:cNvPr id="5" name="Slide Number Placeholder 4"/>
           <p:cNvSpPr>
             <a:spLocks noGrp="1"/>
           </p:cNvSpPr>
@@ -5683,47 +6547,23 @@
           </a:p>
         </p:txBody>
       </p:sp>
-      <p:sp>
-        <p:nvSpPr>
-          <p:cNvPr id="4" name="Title 3"/>
-          <p:cNvSpPr>
-            <a:spLocks noGrp="1"/>
-          </p:cNvSpPr>
-          <p:nvPr>
-            <p:ph type="title"/>
-          </p:nvPr>
-        </p:nvSpPr>
-        <p:spPr/>
-        <p:txBody>
-          <a:bodyPr/>
-          <a:lstStyle/>
-          <a:p>
-            <a:r>
-              <a:rPr lang="lv-LV" dirty="0"/>
-              <a:t>Kas ir </a:t>
-            </a:r>
-            <a:r>
-              <a:rPr lang="lv-LV" dirty="0" smtClean="0"/>
-              <a:t>JavaScript </a:t>
-            </a:r>
-            <a:r>
-              <a:rPr lang="lv-LV" dirty="0"/>
-              <a:t>(JS)?</a:t>
-            </a:r>
-            <a:endParaRPr lang="en-US" dirty="0"/>
-          </a:p>
-        </p:txBody>
-      </p:sp>
     </p:spTree>
     <p:extLst>
       <p:ext uri="{BB962C8B-B14F-4D97-AF65-F5344CB8AC3E}">
-        <p14:creationId xmlns:p14="http://schemas.microsoft.com/office/powerpoint/2010/main" val="329768023"/>
+        <p14:creationId xmlns:p14="http://schemas.microsoft.com/office/powerpoint/2010/main" val="547925660"/>
       </p:ext>
     </p:extLst>
   </p:cSld>
   <p:clrMapOvr>
     <a:masterClrMapping/>
   </p:clrMapOvr>
+  <p:timing>
+    <p:tnLst>
+      <p:par>
+        <p:cTn id="1" dur="indefinite" restart="never" nodeType="tmRoot"/>
+      </p:par>
+    </p:tnLst>
+  </p:timing>
 </p:sld>
 </file>
 
@@ -5756,161 +6596,95 @@
         </p:nvSpPr>
         <p:spPr/>
         <p:txBody>
-          <a:bodyPr/>
+          <a:bodyPr>
+            <a:normAutofit fontScale="85000" lnSpcReduction="10000"/>
+          </a:bodyPr>
           <a:lstStyle/>
           <a:p>
             <a:r>
+              <a:rPr lang="en-US" dirty="0"/>
+              <a:t>JavaScript (</a:t>
+            </a:r>
+            <a:r>
               <a:rPr lang="en-US" dirty="0" err="1"/>
-              <a:t>ECMAScript</a:t>
+              <a:t>js</a:t>
             </a:r>
             <a:r>
               <a:rPr lang="en-US" dirty="0"/>
-              <a:t> is the official name of the language</a:t>
-            </a:r>
+              <a:t>) </a:t>
+            </a:r>
+            <a:r>
+              <a:rPr lang="lv-LV" dirty="0" smtClean="0"/>
+              <a:t>ir viegla objektorientēta programmēšanas valoda, kas tiek izmantota web lapu izstrādē, lai nodrošinātu lapai dinamiskumu.</a:t>
+            </a:r>
+          </a:p>
+          <a:p>
+            <a:r>
+              <a:rPr lang="lv-LV" dirty="0" smtClean="0"/>
+              <a:t>Pirmā web pārlūkprogramma ar grafisko user-interface Mosaic (1993)</a:t>
+            </a:r>
+          </a:p>
+          <a:p>
             <a:r>
               <a:rPr lang="en-US" dirty="0" smtClean="0"/>
-              <a:t>.</a:t>
+              <a:t>Netscape Navigator</a:t>
+            </a:r>
+            <a:r>
+              <a:rPr lang="lv-LV" dirty="0" smtClean="0"/>
+              <a:t> – uzlabota versija </a:t>
+            </a:r>
+            <a:r>
+              <a:rPr lang="en-US" dirty="0" smtClean="0"/>
+              <a:t>1994</a:t>
             </a:r>
             <a:endParaRPr lang="lv-LV" dirty="0" smtClean="0"/>
           </a:p>
           <a:p>
             <a:r>
-              <a:rPr lang="en-US" dirty="0" err="1"/>
-              <a:t>Ecma</a:t>
-            </a:r>
+              <a:rPr lang="lv-LV" dirty="0" smtClean="0"/>
+              <a:t>Problēma: w</a:t>
+            </a:r>
+            <a:r>
+              <a:rPr lang="en-US" dirty="0" err="1" smtClean="0"/>
+              <a:t>eb</a:t>
+            </a:r>
+            <a:r>
+              <a:rPr lang="lv-LV" dirty="0" smtClean="0"/>
+              <a:t> lapas bija tikai statiskas(trūka iespēja pēc dinamiskas uzvedības)</a:t>
+            </a:r>
+          </a:p>
+          <a:p>
             <a:r>
               <a:rPr lang="en-US" dirty="0"/>
-              <a:t> International </a:t>
+              <a:t>Netscape </a:t>
             </a:r>
             <a:r>
               <a:rPr lang="lv-LV" dirty="0" smtClean="0"/>
-              <a:t>ir organizācija, kas izstrādā standartus priekš informācijas un komunikāciju sistēmām.</a:t>
-            </a:r>
-          </a:p>
-          <a:p>
+              <a:t>vadība izlēma veidot jaunu programmešanas valodu, kas uzbūvē būtu līdzīga Java</a:t>
+            </a:r>
+            <a:r>
+              <a:rPr lang="lv-LV" dirty="0"/>
+              <a:t> </a:t>
+            </a:r>
             <a:r>
               <a:rPr lang="lv-LV" dirty="0" smtClean="0"/>
-              <a:t>JS kļuva par </a:t>
-            </a:r>
-            <a:r>
-              <a:rPr lang="en-US" dirty="0" smtClean="0"/>
-              <a:t>ECMA </a:t>
+              <a:t>un nocausa to par </a:t>
             </a:r>
             <a:r>
               <a:rPr lang="en-US" dirty="0" err="1" smtClean="0"/>
-              <a:t>standar</a:t>
+              <a:t>LiveScript</a:t>
             </a:r>
             <a:r>
               <a:rPr lang="lv-LV" dirty="0" smtClean="0"/>
-              <a:t>tu</a:t>
-            </a:r>
-            <a:r>
-              <a:rPr lang="en-US" dirty="0" smtClean="0"/>
-              <a:t> </a:t>
-            </a:r>
+              <a:t>, bet vēlāk pārsauca par JavaScript.</a:t>
+            </a:r>
+          </a:p>
+          <a:p>
             <a:r>
               <a:rPr lang="lv-LV" dirty="0" smtClean="0"/>
-              <a:t>- </a:t>
-            </a:r>
-            <a:r>
-              <a:rPr lang="en-US" dirty="0" smtClean="0"/>
-              <a:t>1997.</a:t>
-            </a:r>
-            <a:endParaRPr lang="lv-LV" dirty="0" smtClean="0"/>
-          </a:p>
-          <a:p>
-            <a:r>
-              <a:rPr lang="en-US" dirty="0" err="1"/>
-              <a:t>ECMAScript</a:t>
-            </a:r>
-            <a:r>
-              <a:rPr lang="en-US" dirty="0"/>
-              <a:t> </a:t>
-            </a:r>
-            <a:r>
-              <a:rPr lang="en-US" dirty="0" err="1" smtClean="0"/>
-              <a:t>versi</a:t>
-            </a:r>
-            <a:r>
-              <a:rPr lang="lv-LV" dirty="0" smtClean="0"/>
-              <a:t>jas</a:t>
-            </a:r>
-            <a:r>
-              <a:rPr lang="en-US" dirty="0" smtClean="0"/>
-              <a:t> </a:t>
-            </a:r>
-            <a:r>
-              <a:rPr lang="lv-LV" dirty="0" smtClean="0"/>
-              <a:t>tika apzīmētas ar </a:t>
-            </a:r>
-            <a:r>
-              <a:rPr lang="en-US" dirty="0" smtClean="0"/>
-              <a:t>ES1</a:t>
-            </a:r>
-            <a:r>
-              <a:rPr lang="en-US" dirty="0"/>
-              <a:t>, ES2, ES3, ES5, </a:t>
-            </a:r>
-            <a:r>
-              <a:rPr lang="lv-LV" dirty="0" smtClean="0"/>
-              <a:t>un </a:t>
-            </a:r>
-            <a:r>
-              <a:rPr lang="en-US" dirty="0" smtClean="0"/>
-              <a:t>ES6.</a:t>
-            </a:r>
-            <a:endParaRPr lang="lv-LV" dirty="0" smtClean="0"/>
-          </a:p>
-          <a:p>
-            <a:r>
-              <a:rPr lang="lv-LV" dirty="0" smtClean="0"/>
-              <a:t>Kopš </a:t>
-            </a:r>
-            <a:r>
-              <a:rPr lang="en-US" dirty="0" smtClean="0"/>
-              <a:t>2016</a:t>
-            </a:r>
-            <a:r>
-              <a:rPr lang="en-US" dirty="0"/>
-              <a:t>, </a:t>
-            </a:r>
-            <a:r>
-              <a:rPr lang="lv-LV" dirty="0" smtClean="0"/>
-              <a:t>versijas sauc pēc gadiem (</a:t>
-            </a:r>
-            <a:r>
-              <a:rPr lang="en-US" dirty="0" err="1"/>
-              <a:t>ECMAScript</a:t>
-            </a:r>
-            <a:r>
-              <a:rPr lang="en-US" dirty="0"/>
-              <a:t> </a:t>
-            </a:r>
-            <a:r>
-              <a:rPr lang="en-US" dirty="0" smtClean="0"/>
-              <a:t>2016</a:t>
-            </a:r>
-            <a:r>
-              <a:rPr lang="lv-LV" dirty="0" smtClean="0"/>
-              <a:t>, </a:t>
-            </a:r>
-            <a:r>
-              <a:rPr lang="en-US" dirty="0" err="1"/>
-              <a:t>ECMAScript</a:t>
-            </a:r>
-            <a:r>
-              <a:rPr lang="en-US" dirty="0"/>
-              <a:t> </a:t>
-            </a:r>
-            <a:r>
-              <a:rPr lang="en-US" dirty="0" smtClean="0"/>
-              <a:t>201</a:t>
-            </a:r>
-            <a:r>
-              <a:rPr lang="lv-LV" dirty="0" smtClean="0"/>
-              <a:t>7, ...)</a:t>
-            </a:r>
-            <a:endParaRPr lang="en-US" dirty="0"/>
+              <a:t>JavaScript dzimšanas diena: 1995.gada 4. decembris</a:t>
+            </a:r>
+            <a:endParaRPr lang="lv-LV" dirty="0"/>
           </a:p>
         </p:txBody>
       </p:sp>
@@ -5954,7 +6728,15 @@
           <a:p>
             <a:r>
               <a:rPr lang="lv-LV" dirty="0"/>
-              <a:t>Kas ir JavaScript (JS)?</a:t>
+              <a:t>Kas ir </a:t>
+            </a:r>
+            <a:r>
+              <a:rPr lang="lv-LV" dirty="0" smtClean="0"/>
+              <a:t>JavaScript </a:t>
+            </a:r>
+            <a:r>
+              <a:rPr lang="lv-LV" dirty="0"/>
+              <a:t>(JS)?</a:t>
             </a:r>
             <a:endParaRPr lang="en-US" dirty="0"/>
           </a:p>
@@ -5963,7 +6745,7 @@
     </p:spTree>
     <p:extLst>
       <p:ext uri="{BB962C8B-B14F-4D97-AF65-F5344CB8AC3E}">
-        <p14:creationId xmlns:p14="http://schemas.microsoft.com/office/powerpoint/2010/main" val="2796210563"/>
+        <p14:creationId xmlns:p14="http://schemas.microsoft.com/office/powerpoint/2010/main" val="329768023"/>
       </p:ext>
     </p:extLst>
   </p:cSld>
@@ -5990,67 +6772,171 @@
           <a:chExt cx="0" cy="0"/>
         </a:xfrm>
       </p:grpSpPr>
-      <p:pic>
-        <p:nvPicPr>
-          <p:cNvPr id="5" name="Content Placeholder 4"/>
-          <p:cNvPicPr>
-            <a:picLocks noGrp="1" noChangeAspect="1"/>
-          </p:cNvPicPr>
+      <p:sp>
+        <p:nvSpPr>
+          <p:cNvPr id="2" name="Content Placeholder 1"/>
+          <p:cNvSpPr>
+            <a:spLocks noGrp="1"/>
+          </p:cNvSpPr>
           <p:nvPr>
             <p:ph idx="1"/>
           </p:nvPr>
-        </p:nvPicPr>
-        <p:blipFill>
-          <a:blip r:embed="rId3">
-            <a:extLst>
-              <a:ext uri="{28A0092B-C50C-407E-A947-70E740481C1C}">
-                <a14:useLocalDpi xmlns:a14="http://schemas.microsoft.com/office/drawing/2010/main" val="0"/>
-              </a:ext>
-            </a:extLst>
-          </a:blip>
-          <a:stretch>
-            <a:fillRect/>
-          </a:stretch>
-        </p:blipFill>
-        <p:spPr>
-          <a:xfrm>
-            <a:off x="1115616" y="1066500"/>
-            <a:ext cx="6863139" cy="4525962"/>
-          </a:xfrm>
-        </p:spPr>
-      </p:pic>
-      <p:sp>
-        <p:nvSpPr>
-          <p:cNvPr id="3" name="Title 2"/>
-          <p:cNvSpPr>
-            <a:spLocks noGrp="1"/>
-          </p:cNvSpPr>
-          <p:nvPr>
-            <p:ph type="title"/>
-          </p:nvPr>
         </p:nvSpPr>
         <p:spPr/>
         <p:txBody>
-          <a:bodyPr>
-            <a:normAutofit/>
-          </a:bodyPr>
+          <a:bodyPr/>
           <a:lstStyle/>
           <a:p>
             <a:r>
-              <a:rPr lang="lv-LV" dirty="0"/>
-              <a:t>Kas ir JavaScript </a:t>
+              <a:rPr lang="en-US" dirty="0" err="1"/>
+              <a:t>ECMAScript</a:t>
+            </a:r>
+            <a:r>
+              <a:rPr lang="en-US" dirty="0"/>
+              <a:t> is the official name of the language</a:t>
+            </a:r>
+            <a:r>
+              <a:rPr lang="en-US" dirty="0" smtClean="0"/>
+              <a:t>.</a:t>
+            </a:r>
+            <a:endParaRPr lang="lv-LV" dirty="0" smtClean="0"/>
+          </a:p>
+          <a:p>
+            <a:r>
+              <a:rPr lang="en-US" dirty="0" err="1"/>
+              <a:t>Ecma</a:t>
+            </a:r>
+            <a:r>
+              <a:rPr lang="en-US" dirty="0"/>
+              <a:t> International </a:t>
             </a:r>
             <a:r>
               <a:rPr lang="lv-LV" dirty="0" smtClean="0"/>
-              <a:t>(</a:t>
-            </a:r>
-            <a:r>
-              <a:rPr lang="lv-LV" dirty="0"/>
-              <a:t>JS</a:t>
-            </a:r>
+              <a:t>ir organizācija, kas izstrādā standartus priekš informācijas un komunikāciju sistēmām.</a:t>
+            </a:r>
+          </a:p>
+          <a:p>
             <a:r>
               <a:rPr lang="lv-LV" dirty="0" smtClean="0"/>
-              <a:t>)?</a:t>
+              <a:t>JS kļuva par </a:t>
+            </a:r>
+            <a:r>
+              <a:rPr lang="en-US" dirty="0" smtClean="0"/>
+              <a:t>ECMA </a:t>
+            </a:r>
+            <a:r>
+              <a:rPr lang="en-US" dirty="0" err="1" smtClean="0"/>
+              <a:t>standar</a:t>
+            </a:r>
+            <a:r>
+              <a:rPr lang="lv-LV" dirty="0" smtClean="0"/>
+              <a:t>tu</a:t>
+            </a:r>
+            <a:r>
+              <a:rPr lang="en-US" dirty="0" smtClean="0"/>
+              <a:t> </a:t>
+            </a:r>
+            <a:r>
+              <a:rPr lang="lv-LV" dirty="0" smtClean="0"/>
+              <a:t>- </a:t>
+            </a:r>
+            <a:r>
+              <a:rPr lang="en-US" dirty="0" smtClean="0"/>
+              <a:t>1997.</a:t>
+            </a:r>
+            <a:endParaRPr lang="lv-LV" dirty="0" smtClean="0"/>
+          </a:p>
+          <a:p>
+            <a:r>
+              <a:rPr lang="en-US" dirty="0" err="1"/>
+              <a:t>ECMAScript</a:t>
+            </a:r>
+            <a:r>
+              <a:rPr lang="en-US" dirty="0"/>
+              <a:t> </a:t>
+            </a:r>
+            <a:r>
+              <a:rPr lang="en-US" dirty="0" err="1" smtClean="0"/>
+              <a:t>versi</a:t>
+            </a:r>
+            <a:r>
+              <a:rPr lang="lv-LV" dirty="0" smtClean="0"/>
+              <a:t>jas</a:t>
+            </a:r>
+            <a:r>
+              <a:rPr lang="en-US" dirty="0" smtClean="0"/>
+              <a:t> </a:t>
+            </a:r>
+            <a:r>
+              <a:rPr lang="lv-LV" dirty="0" smtClean="0"/>
+              <a:t>tika apzīmētas ar </a:t>
+            </a:r>
+            <a:r>
+              <a:rPr lang="en-US" dirty="0" smtClean="0"/>
+              <a:t>ES1</a:t>
+            </a:r>
+            <a:r>
+              <a:rPr lang="en-US" dirty="0"/>
+              <a:t>, ES2, ES3, ES5, </a:t>
+            </a:r>
+            <a:r>
+              <a:rPr lang="lv-LV" dirty="0" smtClean="0"/>
+              <a:t>un </a:t>
+            </a:r>
+            <a:r>
+              <a:rPr lang="en-US" dirty="0" smtClean="0"/>
+              <a:t>ES6.</a:t>
+            </a:r>
+            <a:endParaRPr lang="lv-LV" dirty="0" smtClean="0"/>
+          </a:p>
+          <a:p>
+            <a:r>
+              <a:rPr lang="lv-LV" dirty="0" smtClean="0"/>
+              <a:t>Kopš </a:t>
+            </a:r>
+            <a:r>
+              <a:rPr lang="en-US" dirty="0" smtClean="0"/>
+              <a:t>2016</a:t>
+            </a:r>
+            <a:r>
+              <a:rPr lang="en-US" dirty="0"/>
+              <a:t>, </a:t>
+            </a:r>
+            <a:r>
+              <a:rPr lang="lv-LV" dirty="0" smtClean="0"/>
+              <a:t>versijas sauc pēc gadiem (</a:t>
+            </a:r>
+            <a:r>
+              <a:rPr lang="en-US" dirty="0" err="1"/>
+              <a:t>ECMAScript</a:t>
+            </a:r>
+            <a:r>
+              <a:rPr lang="en-US" dirty="0"/>
+              <a:t> </a:t>
+            </a:r>
+            <a:r>
+              <a:rPr lang="en-US" dirty="0" smtClean="0"/>
+              <a:t>2016</a:t>
+            </a:r>
+            <a:r>
+              <a:rPr lang="lv-LV" dirty="0" smtClean="0"/>
+              <a:t>, </a:t>
+            </a:r>
+            <a:r>
+              <a:rPr lang="en-US" dirty="0" err="1"/>
+              <a:t>ECMAScript</a:t>
+            </a:r>
+            <a:r>
+              <a:rPr lang="en-US" dirty="0"/>
+              <a:t> </a:t>
+            </a:r>
+            <a:r>
+              <a:rPr lang="en-US" dirty="0" smtClean="0"/>
+              <a:t>201</a:t>
+            </a:r>
+            <a:r>
+              <a:rPr lang="lv-LV" dirty="0" smtClean="0"/>
+              <a:t>7, ...)</a:t>
             </a:r>
             <a:endParaRPr lang="en-US" dirty="0"/>
           </a:p>
@@ -6058,7 +6944,7 @@
       </p:sp>
       <p:sp>
         <p:nvSpPr>
-          <p:cNvPr id="4" name="Slide Number Placeholder 3"/>
+          <p:cNvPr id="3" name="Slide Number Placeholder 2"/>
           <p:cNvSpPr>
             <a:spLocks noGrp="1"/>
           </p:cNvSpPr>
@@ -6081,32 +6967,22 @@
       </p:sp>
       <p:sp>
         <p:nvSpPr>
-          <p:cNvPr id="6" name="Rectangle 5"/>
-          <p:cNvSpPr/>
-          <p:nvPr/>
-        </p:nvSpPr>
-        <p:spPr>
-          <a:xfrm>
-            <a:off x="1115616" y="5589240"/>
-            <a:ext cx="6912768" cy="646331"/>
-          </a:xfrm>
-          <a:prstGeom prst="rect">
-            <a:avLst/>
-          </a:prstGeom>
-        </p:spPr>
-        <p:txBody>
-          <a:bodyPr wrap="square">
-            <a:spAutoFit/>
-          </a:bodyPr>
+          <p:cNvPr id="4" name="Title 3"/>
+          <p:cNvSpPr>
+            <a:spLocks noGrp="1"/>
+          </p:cNvSpPr>
+          <p:nvPr>
+            <p:ph type="title"/>
+          </p:nvPr>
+        </p:nvSpPr>
+        <p:spPr/>
+        <p:txBody>
+          <a:bodyPr/>
           <a:lstStyle/>
           <a:p>
             <a:r>
-              <a:rPr lang="en-US" dirty="0" smtClean="0"/>
-              <a:t>JavaScript </a:t>
-            </a:r>
-            <a:r>
-              <a:rPr lang="lv-LV" dirty="0" smtClean="0"/>
-              <a:t>ir visvairāk izmantotā programmēšanas valoda pēdējos 10 gados.</a:t>
+              <a:rPr lang="lv-LV" dirty="0"/>
+              <a:t>Kas ir JavaScript (JS)?</a:t>
             </a:r>
             <a:endParaRPr lang="en-US" dirty="0"/>
           </a:p>
@@ -6115,7 +6991,7 @@
     </p:spTree>
     <p:extLst>
       <p:ext uri="{BB962C8B-B14F-4D97-AF65-F5344CB8AC3E}">
-        <p14:creationId xmlns:p14="http://schemas.microsoft.com/office/powerpoint/2010/main" val="1387949834"/>
+        <p14:creationId xmlns:p14="http://schemas.microsoft.com/office/powerpoint/2010/main" val="2796210563"/>
       </p:ext>
     </p:extLst>
   </p:cSld>
@@ -6153,7 +7029,7 @@
           </p:nvPr>
         </p:nvPicPr>
         <p:blipFill>
-          <a:blip r:embed="rId2">
+          <a:blip r:embed="rId3">
             <a:extLst>
               <a:ext uri="{28A0092B-C50C-407E-A947-70E740481C1C}">
                 <a14:useLocalDpi xmlns:a14="http://schemas.microsoft.com/office/drawing/2010/main" val="0"/>
@@ -6166,14 +7042,51 @@
         </p:blipFill>
         <p:spPr>
           <a:xfrm>
-            <a:off x="1557302" y="1481138"/>
-            <a:ext cx="6029395" cy="4525962"/>
+            <a:off x="1115616" y="1066500"/>
+            <a:ext cx="6863139" cy="4525962"/>
           </a:xfrm>
         </p:spPr>
       </p:pic>
       <p:sp>
         <p:nvSpPr>
-          <p:cNvPr id="3" name="Slide Number Placeholder 2"/>
+          <p:cNvPr id="3" name="Title 2"/>
+          <p:cNvSpPr>
+            <a:spLocks noGrp="1"/>
+          </p:cNvSpPr>
+          <p:nvPr>
+            <p:ph type="title"/>
+          </p:nvPr>
+        </p:nvSpPr>
+        <p:spPr/>
+        <p:txBody>
+          <a:bodyPr>
+            <a:normAutofit/>
+          </a:bodyPr>
+          <a:lstStyle/>
+          <a:p>
+            <a:r>
+              <a:rPr lang="lv-LV" dirty="0"/>
+              <a:t>Kas ir JavaScript </a:t>
+            </a:r>
+            <a:r>
+              <a:rPr lang="lv-LV" dirty="0" smtClean="0"/>
+              <a:t>(</a:t>
+            </a:r>
+            <a:r>
+              <a:rPr lang="lv-LV" dirty="0"/>
+              <a:t>JS</a:t>
+            </a:r>
+            <a:r>
+              <a:rPr lang="lv-LV" dirty="0" smtClean="0"/>
+              <a:t>)?</a:t>
+            </a:r>
+            <a:endParaRPr lang="en-US" dirty="0"/>
+          </a:p>
+        </p:txBody>
+      </p:sp>
+      <p:sp>
+        <p:nvSpPr>
+          <p:cNvPr id="4" name="Slide Number Placeholder 3"/>
           <p:cNvSpPr>
             <a:spLocks noGrp="1"/>
           </p:cNvSpPr>
@@ -6196,30 +7109,32 @@
       </p:sp>
       <p:sp>
         <p:nvSpPr>
-          <p:cNvPr id="4" name="Title 3"/>
-          <p:cNvSpPr>
-            <a:spLocks noGrp="1"/>
-          </p:cNvSpPr>
-          <p:nvPr>
-            <p:ph type="title"/>
-          </p:nvPr>
-        </p:nvSpPr>
-        <p:spPr/>
-        <p:txBody>
-          <a:bodyPr/>
+          <p:cNvPr id="6" name="Rectangle 5"/>
+          <p:cNvSpPr/>
+          <p:nvPr/>
+        </p:nvSpPr>
+        <p:spPr>
+          <a:xfrm>
+            <a:off x="1115616" y="5589240"/>
+            <a:ext cx="6912768" cy="646331"/>
+          </a:xfrm>
+          <a:prstGeom prst="rect">
+            <a:avLst/>
+          </a:prstGeom>
+        </p:spPr>
+        <p:txBody>
+          <a:bodyPr wrap="square">
+            <a:spAutoFit/>
+          </a:bodyPr>
           <a:lstStyle/>
           <a:p>
             <a:r>
-              <a:rPr lang="lv-LV" dirty="0"/>
-              <a:t>Kas ir JavaScript </a:t>
+              <a:rPr lang="en-US" dirty="0" smtClean="0"/>
+              <a:t>JavaScript </a:t>
             </a:r>
             <a:r>
               <a:rPr lang="lv-LV" dirty="0" smtClean="0"/>
-              <a:t>(</a:t>
-            </a:r>
-            <a:r>
-              <a:rPr lang="lv-LV" dirty="0"/>
-              <a:t>JS)?</a:t>
+              <a:t>ir visvairāk izmantotā programmēšanas valoda pēdējos 10 gados.</a:t>
             </a:r>
             <a:endParaRPr lang="en-US" dirty="0"/>
           </a:p>
@@ -6228,7 +7143,7 @@
     </p:spTree>
     <p:extLst>
       <p:ext uri="{BB962C8B-B14F-4D97-AF65-F5344CB8AC3E}">
-        <p14:creationId xmlns:p14="http://schemas.microsoft.com/office/powerpoint/2010/main" val="3582902221"/>
+        <p14:creationId xmlns:p14="http://schemas.microsoft.com/office/powerpoint/2010/main" val="1387949834"/>
       </p:ext>
     </p:extLst>
   </p:cSld>
@@ -6255,6 +7170,119 @@
           <a:chExt cx="0" cy="0"/>
         </a:xfrm>
       </p:grpSpPr>
+      <p:pic>
+        <p:nvPicPr>
+          <p:cNvPr id="5" name="Content Placeholder 4"/>
+          <p:cNvPicPr>
+            <a:picLocks noGrp="1" noChangeAspect="1"/>
+          </p:cNvPicPr>
+          <p:nvPr>
+            <p:ph idx="1"/>
+          </p:nvPr>
+        </p:nvPicPr>
+        <p:blipFill>
+          <a:blip r:embed="rId2">
+            <a:extLst>
+              <a:ext uri="{28A0092B-C50C-407E-A947-70E740481C1C}">
+                <a14:useLocalDpi xmlns:a14="http://schemas.microsoft.com/office/drawing/2010/main" val="0"/>
+              </a:ext>
+            </a:extLst>
+          </a:blip>
+          <a:stretch>
+            <a:fillRect/>
+          </a:stretch>
+        </p:blipFill>
+        <p:spPr>
+          <a:xfrm>
+            <a:off x="1557302" y="1481138"/>
+            <a:ext cx="6029395" cy="4525962"/>
+          </a:xfrm>
+        </p:spPr>
+      </p:pic>
+      <p:sp>
+        <p:nvSpPr>
+          <p:cNvPr id="3" name="Slide Number Placeholder 2"/>
+          <p:cNvSpPr>
+            <a:spLocks noGrp="1"/>
+          </p:cNvSpPr>
+          <p:nvPr>
+            <p:ph type="sldNum" sz="quarter" idx="12"/>
+          </p:nvPr>
+        </p:nvSpPr>
+        <p:spPr/>
+        <p:txBody>
+          <a:bodyPr/>
+          <a:lstStyle/>
+          <a:p>
+            <a:fld id="{7026AADC-AE3C-43FA-A070-99E28E27F530}" type="slidenum">
+              <a:rPr lang="en-US" smtClean="0"/>
+              <a:t>7</a:t>
+            </a:fld>
+            <a:endParaRPr lang="en-US"/>
+          </a:p>
+        </p:txBody>
+      </p:sp>
+      <p:sp>
+        <p:nvSpPr>
+          <p:cNvPr id="4" name="Title 3"/>
+          <p:cNvSpPr>
+            <a:spLocks noGrp="1"/>
+          </p:cNvSpPr>
+          <p:nvPr>
+            <p:ph type="title"/>
+          </p:nvPr>
+        </p:nvSpPr>
+        <p:spPr/>
+        <p:txBody>
+          <a:bodyPr/>
+          <a:lstStyle/>
+          <a:p>
+            <a:r>
+              <a:rPr lang="lv-LV" dirty="0"/>
+              <a:t>Kas ir JavaScript </a:t>
+            </a:r>
+            <a:r>
+              <a:rPr lang="lv-LV" dirty="0" smtClean="0"/>
+              <a:t>(</a:t>
+            </a:r>
+            <a:r>
+              <a:rPr lang="lv-LV" dirty="0"/>
+              <a:t>JS)?</a:t>
+            </a:r>
+            <a:endParaRPr lang="en-US" dirty="0"/>
+          </a:p>
+        </p:txBody>
+      </p:sp>
+    </p:spTree>
+    <p:extLst>
+      <p:ext uri="{BB962C8B-B14F-4D97-AF65-F5344CB8AC3E}">
+        <p14:creationId xmlns:p14="http://schemas.microsoft.com/office/powerpoint/2010/main" val="3582902221"/>
+      </p:ext>
+    </p:extLst>
+  </p:cSld>
+  <p:clrMapOvr>
+    <a:masterClrMapping/>
+  </p:clrMapOvr>
+</p:sld>
+</file>
+
+<file path=ppt/slides/slide8.xml><?xml version="1.0" encoding="utf-8"?>
+<p:sld xmlns:a="http://schemas.openxmlformats.org/drawingml/2006/main" xmlns:r="http://schemas.openxmlformats.org/officeDocument/2006/relationships" xmlns:p="http://schemas.openxmlformats.org/presentationml/2006/main">
+  <p:cSld>
+    <p:spTree>
+      <p:nvGrpSpPr>
+        <p:cNvPr id="1" name=""/>
+        <p:cNvGrpSpPr/>
+        <p:nvPr/>
+      </p:nvGrpSpPr>
+      <p:grpSpPr>
+        <a:xfrm>
+          <a:off x="0" y="0"/>
+          <a:ext cx="0" cy="0"/>
+          <a:chOff x="0" y="0"/>
+          <a:chExt cx="0" cy="0"/>
+        </a:xfrm>
+      </p:grpSpPr>
       <p:sp>
         <p:nvSpPr>
           <p:cNvPr id="8" name="Flowchart: Card 7"/>
@@ -6352,7 +7380,7 @@
           <a:p>
             <a:fld id="{7026AADC-AE3C-43FA-A070-99E28E27F530}" type="slidenum">
               <a:rPr lang="en-US" smtClean="0"/>
-              <a:t>7</a:t>
+              <a:t>8</a:t>
             </a:fld>
             <a:endParaRPr lang="en-US"/>
           </a:p>
@@ -6628,7 +7656,7 @@
 </p:sld>
 </file>
 
-<file path=ppt/slides/slide8.xml><?xml version="1.0" encoding="utf-8"?>
+<file path=ppt/slides/slide9.xml><?xml version="1.0" encoding="utf-8"?>
 <p:sld xmlns:a="http://schemas.openxmlformats.org/drawingml/2006/main" xmlns:r="http://schemas.openxmlformats.org/officeDocument/2006/relationships" xmlns:p="http://schemas.openxmlformats.org/presentationml/2006/main">
   <p:cSld>
     <p:spTree>
@@ -6680,7 +7708,6 @@
               <a:rPr lang="en-US" dirty="0"/>
               <a:t>. It lets you and others work together on projects from anywhere.</a:t>
             </a:r>
-            <a:endParaRPr lang="en-US" dirty="0"/>
           </a:p>
         </p:txBody>
       </p:sp>
@@ -6701,7 +7728,7 @@
           <a:p>
             <a:fld id="{7026AADC-AE3C-43FA-A070-99E28E27F530}" type="slidenum">
               <a:rPr lang="en-US" smtClean="0"/>
-              <a:t>8</a:t>
+              <a:t>9</a:t>
             </a:fld>
             <a:endParaRPr lang="en-US"/>
           </a:p>
@@ -6769,136 +7796,6 @@
     <p:extLst>
       <p:ext uri="{BB962C8B-B14F-4D97-AF65-F5344CB8AC3E}">
         <p14:creationId xmlns:p14="http://schemas.microsoft.com/office/powerpoint/2010/main" val="1629569062"/>
-      </p:ext>
-    </p:extLst>
-  </p:cSld>
-  <p:clrMapOvr>
-    <a:masterClrMapping/>
-  </p:clrMapOvr>
-</p:sld>
-</file>
-
-<file path=ppt/slides/slide9.xml><?xml version="1.0" encoding="utf-8"?>
-<p:sld xmlns:a="http://schemas.openxmlformats.org/drawingml/2006/main" xmlns:r="http://schemas.openxmlformats.org/officeDocument/2006/relationships" xmlns:p="http://schemas.openxmlformats.org/presentationml/2006/main">
-  <p:cSld>
-    <p:spTree>
-      <p:nvGrpSpPr>
-        <p:cNvPr id="1" name=""/>
-        <p:cNvGrpSpPr/>
-        <p:nvPr/>
-      </p:nvGrpSpPr>
-      <p:grpSpPr>
-        <a:xfrm>
-          <a:off x="0" y="0"/>
-          <a:ext cx="0" cy="0"/>
-          <a:chOff x="0" y="0"/>
-          <a:chExt cx="0" cy="0"/>
-        </a:xfrm>
-      </p:grpSpPr>
-      <p:sp>
-        <p:nvSpPr>
-          <p:cNvPr id="2" name="Content Placeholder 1"/>
-          <p:cNvSpPr>
-            <a:spLocks noGrp="1"/>
-          </p:cNvSpPr>
-          <p:nvPr>
-            <p:ph idx="1"/>
-          </p:nvPr>
-        </p:nvSpPr>
-        <p:spPr>
-          <a:xfrm>
-            <a:off x="457200" y="1481328"/>
-            <a:ext cx="8579296" cy="4525963"/>
-          </a:xfrm>
-        </p:spPr>
-        <p:txBody>
-          <a:bodyPr/>
-          <a:lstStyle/>
-          <a:p>
-            <a:r>
-              <a:rPr lang="en-US" dirty="0">
-                <a:hlinkClick r:id="rId2"/>
-              </a:rPr>
-              <a:t>https://github.com</a:t>
-            </a:r>
-            <a:r>
-              <a:rPr lang="en-US" dirty="0" smtClean="0">
-                <a:hlinkClick r:id="rId2"/>
-              </a:rPr>
-              <a:t>/</a:t>
-            </a:r>
-            <a:endParaRPr lang="lv-LV" dirty="0" smtClean="0"/>
-          </a:p>
-          <a:p>
-            <a:r>
-              <a:rPr lang="en-US" dirty="0">
-                <a:hlinkClick r:id="rId3"/>
-              </a:rPr>
-              <a:t>https://visualstudio.microsoft.com/vs/express</a:t>
-            </a:r>
-            <a:r>
-              <a:rPr lang="en-US" dirty="0" smtClean="0">
-                <a:hlinkClick r:id="rId3"/>
-              </a:rPr>
-              <a:t>/</a:t>
-            </a:r>
-            <a:endParaRPr lang="lv-LV" dirty="0" smtClean="0"/>
-          </a:p>
-          <a:p>
-            <a:endParaRPr lang="en-US" dirty="0"/>
-          </a:p>
-        </p:txBody>
-      </p:sp>
-      <p:sp>
-        <p:nvSpPr>
-          <p:cNvPr id="3" name="Slide Number Placeholder 2"/>
-          <p:cNvSpPr>
-            <a:spLocks noGrp="1"/>
-          </p:cNvSpPr>
-          <p:nvPr>
-            <p:ph type="sldNum" sz="quarter" idx="12"/>
-          </p:nvPr>
-        </p:nvSpPr>
-        <p:spPr/>
-        <p:txBody>
-          <a:bodyPr/>
-          <a:lstStyle/>
-          <a:p>
-            <a:fld id="{7026AADC-AE3C-43FA-A070-99E28E27F530}" type="slidenum">
-              <a:rPr lang="en-US" smtClean="0"/>
-              <a:t>9</a:t>
-            </a:fld>
-            <a:endParaRPr lang="en-US"/>
-          </a:p>
-        </p:txBody>
-      </p:sp>
-      <p:sp>
-        <p:nvSpPr>
-          <p:cNvPr id="4" name="Title 3"/>
-          <p:cNvSpPr>
-            <a:spLocks noGrp="1"/>
-          </p:cNvSpPr>
-          <p:nvPr>
-            <p:ph type="title"/>
-          </p:nvPr>
-        </p:nvSpPr>
-        <p:spPr/>
-        <p:txBody>
-          <a:bodyPr/>
-          <a:lstStyle/>
-          <a:p>
-            <a:r>
-              <a:rPr lang="lv-LV" dirty="0"/>
-              <a:t>GitHub</a:t>
-            </a:r>
-            <a:endParaRPr lang="en-US" dirty="0"/>
-          </a:p>
-        </p:txBody>
-      </p:sp>
-    </p:spTree>
-    <p:extLst>
-      <p:ext uri="{BB962C8B-B14F-4D97-AF65-F5344CB8AC3E}">
-        <p14:creationId xmlns:p14="http://schemas.microsoft.com/office/powerpoint/2010/main" val="3928957656"/>
       </p:ext>
     </p:extLst>
   </p:cSld>

--- a/Presentation/1_Nodarbība.pptx
+++ b/Presentation/1_Nodarbība.pptx
@@ -5,7 +5,7 @@
     <p:sldMasterId id="2147483660" r:id="rId1"/>
   </p:sldMasterIdLst>
   <p:notesMasterIdLst>
-    <p:notesMasterId r:id="rId18"/>
+    <p:notesMasterId r:id="rId20"/>
   </p:notesMasterIdLst>
   <p:sldIdLst>
     <p:sldId id="256" r:id="rId2"/>
@@ -23,7 +23,9 @@
     <p:sldId id="267" r:id="rId14"/>
     <p:sldId id="268" r:id="rId15"/>
     <p:sldId id="271" r:id="rId16"/>
-    <p:sldId id="269" r:id="rId17"/>
+    <p:sldId id="272" r:id="rId17"/>
+    <p:sldId id="273" r:id="rId18"/>
+    <p:sldId id="269" r:id="rId19"/>
   </p:sldIdLst>
   <p:sldSz cx="9144000" cy="6858000" type="screen4x3"/>
   <p:notesSz cx="6858000" cy="9144000"/>
@@ -730,6 +732,98 @@
     <p:extLst>
       <p:ext uri="{BB962C8B-B14F-4D97-AF65-F5344CB8AC3E}">
         <p14:creationId xmlns:p14="http://schemas.microsoft.com/office/powerpoint/2010/main" val="1941994961"/>
+      </p:ext>
+    </p:extLst>
+  </p:cSld>
+  <p:clrMapOvr>
+    <a:masterClrMapping/>
+  </p:clrMapOvr>
+</p:notes>
+</file>
+
+<file path=ppt/notesSlides/notesSlide4.xml><?xml version="1.0" encoding="utf-8"?>
+<p:notes xmlns:a="http://schemas.openxmlformats.org/drawingml/2006/main" xmlns:r="http://schemas.openxmlformats.org/officeDocument/2006/relationships" xmlns:p="http://schemas.openxmlformats.org/presentationml/2006/main">
+  <p:cSld>
+    <p:spTree>
+      <p:nvGrpSpPr>
+        <p:cNvPr id="1" name=""/>
+        <p:cNvGrpSpPr/>
+        <p:nvPr/>
+      </p:nvGrpSpPr>
+      <p:grpSpPr>
+        <a:xfrm>
+          <a:off x="0" y="0"/>
+          <a:ext cx="0" cy="0"/>
+          <a:chOff x="0" y="0"/>
+          <a:chExt cx="0" cy="0"/>
+        </a:xfrm>
+      </p:grpSpPr>
+      <p:sp>
+        <p:nvSpPr>
+          <p:cNvPr id="2" name="Slide Image Placeholder 1"/>
+          <p:cNvSpPr>
+            <a:spLocks noGrp="1" noRot="1" noChangeAspect="1"/>
+          </p:cNvSpPr>
+          <p:nvPr>
+            <p:ph type="sldImg"/>
+          </p:nvPr>
+        </p:nvSpPr>
+        <p:spPr/>
+      </p:sp>
+      <p:sp>
+        <p:nvSpPr>
+          <p:cNvPr id="3" name="Notes Placeholder 2"/>
+          <p:cNvSpPr>
+            <a:spLocks noGrp="1"/>
+          </p:cNvSpPr>
+          <p:nvPr>
+            <p:ph type="body" idx="1"/>
+          </p:nvPr>
+        </p:nvSpPr>
+        <p:spPr/>
+        <p:txBody>
+          <a:bodyPr/>
+          <a:lstStyle/>
+          <a:p>
+            <a:r>
+              <a:rPr lang="lv-LV" dirty="0" smtClean="0"/>
+              <a:t>Iespējams Wikipedia</a:t>
+            </a:r>
+            <a:r>
+              <a:rPr lang="lv-LV" baseline="0" dirty="0" smtClean="0"/>
+              <a:t> atradīsiet citādus izskaidrojumus. Es meģināju izskaidrot vienkāršāk un vispraktiskākā veidā.</a:t>
+            </a:r>
+            <a:endParaRPr lang="en-US" dirty="0"/>
+          </a:p>
+        </p:txBody>
+      </p:sp>
+      <p:sp>
+        <p:nvSpPr>
+          <p:cNvPr id="4" name="Slide Number Placeholder 3"/>
+          <p:cNvSpPr>
+            <a:spLocks noGrp="1"/>
+          </p:cNvSpPr>
+          <p:nvPr>
+            <p:ph type="sldNum" sz="quarter" idx="10"/>
+          </p:nvPr>
+        </p:nvSpPr>
+        <p:spPr/>
+        <p:txBody>
+          <a:bodyPr/>
+          <a:lstStyle/>
+          <a:p>
+            <a:fld id="{0C6061E3-4886-4763-85C5-CB057006EAF7}" type="slidenum">
+              <a:rPr lang="en-US" smtClean="0"/>
+              <a:t>16</a:t>
+            </a:fld>
+            <a:endParaRPr lang="en-US"/>
+          </a:p>
+        </p:txBody>
+      </p:sp>
+    </p:spTree>
+    <p:extLst>
+      <p:ext uri="{BB962C8B-B14F-4D97-AF65-F5344CB8AC3E}">
+        <p14:creationId xmlns:p14="http://schemas.microsoft.com/office/powerpoint/2010/main" val="1919436"/>
       </p:ext>
     </p:extLst>
   </p:cSld>
@@ -5379,6 +5473,27 @@
             <a:endParaRPr lang="lv-LV" dirty="0" smtClean="0"/>
           </a:p>
           <a:p>
+            <a:r>
+              <a:rPr lang="lv-LV" dirty="0">
+                <a:hlinkClick r:id="rId4"/>
+              </a:rPr>
+              <a:t>https://code.visualstudio.com</a:t>
+            </a:r>
+            <a:r>
+              <a:rPr lang="lv-LV" dirty="0" smtClean="0">
+                <a:hlinkClick r:id="rId4"/>
+              </a:rPr>
+              <a:t>/</a:t>
+            </a:r>
+            <a:endParaRPr lang="lv-LV" dirty="0" smtClean="0"/>
+          </a:p>
+          <a:p>
+            <a:pPr marL="109728" indent="0">
+              <a:buNone/>
+            </a:pPr>
+            <a:endParaRPr lang="lv-LV" dirty="0" smtClean="0"/>
+          </a:p>
+          <a:p>
             <a:endParaRPr lang="en-US" dirty="0"/>
           </a:p>
         </p:txBody>
@@ -6086,25 +6201,6 @@
       </p:grpSpPr>
       <p:sp>
         <p:nvSpPr>
-          <p:cNvPr id="2" name="Content Placeholder 1"/>
-          <p:cNvSpPr>
-            <a:spLocks noGrp="1"/>
-          </p:cNvSpPr>
-          <p:nvPr>
-            <p:ph idx="1"/>
-          </p:nvPr>
-        </p:nvSpPr>
-        <p:spPr/>
-        <p:txBody>
-          <a:bodyPr/>
-          <a:lstStyle/>
-          <a:p>
-            <a:endParaRPr lang="en-US"/>
-          </a:p>
-        </p:txBody>
-      </p:sp>
-      <p:sp>
-        <p:nvSpPr>
           <p:cNvPr id="3" name="Slide Number Placeholder 2"/>
           <p:cNvSpPr>
             <a:spLocks noGrp="1"/>
@@ -6144,6 +6240,100 @@
             <a:r>
               <a:rPr lang="lv-LV" dirty="0"/>
               <a:t>GitHub</a:t>
+            </a:r>
+            <a:endParaRPr lang="en-US" dirty="0"/>
+          </a:p>
+        </p:txBody>
+      </p:sp>
+      <p:pic>
+        <p:nvPicPr>
+          <p:cNvPr id="1027" name="Picture 3"/>
+          <p:cNvPicPr>
+            <a:picLocks noChangeAspect="1" noChangeArrowheads="1"/>
+          </p:cNvPicPr>
+          <p:nvPr/>
+        </p:nvPicPr>
+        <p:blipFill>
+          <a:blip r:embed="rId2">
+            <a:extLst>
+              <a:ext uri="{28A0092B-C50C-407E-A947-70E740481C1C}">
+                <a14:useLocalDpi xmlns:a14="http://schemas.microsoft.com/office/drawing/2010/main" val="0"/>
+              </a:ext>
+            </a:extLst>
+          </a:blip>
+          <a:srcRect/>
+          <a:stretch>
+            <a:fillRect/>
+          </a:stretch>
+        </p:blipFill>
+        <p:spPr bwMode="auto">
+          <a:xfrm>
+            <a:off x="107504" y="1556792"/>
+            <a:ext cx="8947630" cy="2232248"/>
+          </a:xfrm>
+          <a:prstGeom prst="rect">
+            <a:avLst/>
+          </a:prstGeom>
+          <a:noFill/>
+          <a:ln>
+            <a:noFill/>
+          </a:ln>
+          <a:effectLst/>
+          <a:extLst>
+            <a:ext uri="{909E8E84-426E-40DD-AFC4-6F175D3DCCD1}">
+              <a14:hiddenFill xmlns:a14="http://schemas.microsoft.com/office/drawing/2010/main">
+                <a:solidFill>
+                  <a:schemeClr val="accent1"/>
+                </a:solidFill>
+              </a14:hiddenFill>
+            </a:ext>
+            <a:ext uri="{91240B29-F687-4F45-9708-019B960494DF}">
+              <a14:hiddenLine xmlns:a14="http://schemas.microsoft.com/office/drawing/2010/main" w="9525">
+                <a:solidFill>
+                  <a:schemeClr val="tx1"/>
+                </a:solidFill>
+                <a:miter lim="800000"/>
+                <a:headEnd/>
+                <a:tailEnd/>
+              </a14:hiddenLine>
+            </a:ext>
+            <a:ext uri="{AF507438-7753-43E0-B8FC-AC1667EBCBE1}">
+              <a14:hiddenEffects xmlns:a14="http://schemas.microsoft.com/office/drawing/2010/main">
+                <a:effectLst>
+                  <a:outerShdw dist="35921" dir="2700000" algn="ctr" rotWithShape="0">
+                    <a:schemeClr val="bg2"/>
+                  </a:outerShdw>
+                </a:effectLst>
+              </a14:hiddenEffects>
+            </a:ext>
+          </a:extLst>
+        </p:spPr>
+      </p:pic>
+      <p:sp>
+        <p:nvSpPr>
+          <p:cNvPr id="6" name="TextBox 5"/>
+          <p:cNvSpPr txBox="1"/>
+          <p:nvPr/>
+        </p:nvSpPr>
+        <p:spPr>
+          <a:xfrm>
+            <a:off x="113964" y="4149080"/>
+            <a:ext cx="9030036" cy="369332"/>
+          </a:xfrm>
+          <a:prstGeom prst="rect">
+            <a:avLst/>
+          </a:prstGeom>
+          <a:noFill/>
+        </p:spPr>
+        <p:txBody>
+          <a:bodyPr wrap="none" rtlCol="0">
+            <a:spAutoFit/>
+          </a:bodyPr>
+          <a:lstStyle/>
+          <a:p>
+            <a:r>
+              <a:rPr lang="lv-LV" dirty="0" smtClean="0"/>
+              <a:t>Visual studio code ir daudz draudzīgāka vide koda augšupielādei un pārvaldei.</a:t>
             </a:r>
             <a:endParaRPr lang="en-US" dirty="0"/>
           </a:p>
@@ -6191,6 +6381,333 @@
         </p:nvSpPr>
         <p:spPr/>
         <p:txBody>
+          <a:bodyPr>
+            <a:normAutofit fontScale="85000" lnSpcReduction="20000"/>
+          </a:bodyPr>
+          <a:lstStyle/>
+          <a:p>
+            <a:r>
+              <a:rPr lang="lv-LV" b="1" dirty="0" smtClean="0"/>
+              <a:t>Fetch</a:t>
+            </a:r>
+            <a:r>
+              <a:rPr lang="lv-LV" dirty="0" smtClean="0"/>
+              <a:t> – Paskatāmies vai kāds kaut ko jaunu ir uzlicis uz krātuves</a:t>
+            </a:r>
+          </a:p>
+          <a:p>
+            <a:r>
+              <a:rPr lang="lv-LV" b="1" dirty="0" smtClean="0"/>
+              <a:t>Pull</a:t>
+            </a:r>
+            <a:r>
+              <a:rPr lang="lv-LV" dirty="0" smtClean="0"/>
+              <a:t> – Novelkam uz sava datora, to kas ir uz kratuves </a:t>
+            </a:r>
+          </a:p>
+          <a:p>
+            <a:r>
+              <a:rPr lang="lv-LV" b="1" dirty="0" smtClean="0"/>
+              <a:t>Commit</a:t>
+            </a:r>
+            <a:r>
+              <a:rPr lang="lv-LV" dirty="0" smtClean="0"/>
+              <a:t> – Ieseivojam uz savas krātuves izmaiņas</a:t>
+            </a:r>
+          </a:p>
+          <a:p>
+            <a:r>
+              <a:rPr lang="lv-LV" b="1" dirty="0" smtClean="0"/>
+              <a:t>Rebase</a:t>
+            </a:r>
+            <a:r>
+              <a:rPr lang="lv-LV" dirty="0" smtClean="0"/>
+              <a:t> – Salīdzinām vai mūsu izmaiņas neiiet konfliktā ar citu(kolēģu) izmaiņām</a:t>
+            </a:r>
+          </a:p>
+          <a:p>
+            <a:r>
+              <a:rPr lang="lv-LV" b="1" dirty="0" smtClean="0"/>
+              <a:t>Push</a:t>
+            </a:r>
+            <a:r>
+              <a:rPr lang="lv-LV" dirty="0" smtClean="0"/>
+              <a:t> – nosūtam savas izmaiņas uz globālo krātuvi</a:t>
+            </a:r>
+          </a:p>
+          <a:p>
+            <a:r>
+              <a:rPr lang="lv-LV" b="1" dirty="0" smtClean="0"/>
+              <a:t>Branch</a:t>
+            </a:r>
+            <a:r>
+              <a:rPr lang="lv-LV" dirty="0" smtClean="0"/>
+              <a:t> – koda izmaiņu izstrādes plusmas</a:t>
+            </a:r>
+          </a:p>
+          <a:p>
+            <a:r>
+              <a:rPr lang="lv-LV" b="1" dirty="0" smtClean="0"/>
+              <a:t>Merge</a:t>
+            </a:r>
+            <a:r>
+              <a:rPr lang="lv-LV" dirty="0" smtClean="0"/>
+              <a:t> – Integrējam savas izstrādātas izmaiņas produkcijas kodā</a:t>
+            </a:r>
+          </a:p>
+          <a:p>
+            <a:r>
+              <a:rPr lang="lv-LV" b="1" dirty="0" smtClean="0"/>
+              <a:t>Stage</a:t>
+            </a:r>
+            <a:r>
+              <a:rPr lang="lv-LV" dirty="0" smtClean="0"/>
+              <a:t> – pasaki kas tiks likts komitā</a:t>
+            </a:r>
+          </a:p>
+          <a:p>
+            <a:r>
+              <a:rPr lang="lv-LV" b="1" dirty="0" smtClean="0"/>
+              <a:t>Checkout</a:t>
+            </a:r>
+            <a:r>
+              <a:rPr lang="lv-LV" dirty="0" smtClean="0"/>
+              <a:t> – Pārslēdzies no viena koda varianta uz citu</a:t>
+            </a:r>
+          </a:p>
+          <a:p>
+            <a:r>
+              <a:rPr lang="lv-LV" b="1" dirty="0" smtClean="0"/>
+              <a:t>Stash</a:t>
+            </a:r>
+            <a:r>
+              <a:rPr lang="lv-LV" dirty="0" smtClean="0"/>
+              <a:t> – melnraksti (tiks pieseivots kods tikai tava datora, nekāds komits)</a:t>
+            </a:r>
+          </a:p>
+          <a:p>
+            <a:endParaRPr lang="en-US" dirty="0"/>
+          </a:p>
+        </p:txBody>
+      </p:sp>
+      <p:sp>
+        <p:nvSpPr>
+          <p:cNvPr id="3" name="Slide Number Placeholder 2"/>
+          <p:cNvSpPr>
+            <a:spLocks noGrp="1"/>
+          </p:cNvSpPr>
+          <p:nvPr>
+            <p:ph type="sldNum" sz="quarter" idx="12"/>
+          </p:nvPr>
+        </p:nvSpPr>
+        <p:spPr/>
+        <p:txBody>
+          <a:bodyPr/>
+          <a:lstStyle/>
+          <a:p>
+            <a:fld id="{7026AADC-AE3C-43FA-A070-99E28E27F530}" type="slidenum">
+              <a:rPr lang="en-US" smtClean="0"/>
+              <a:t>16</a:t>
+            </a:fld>
+            <a:endParaRPr lang="en-US"/>
+          </a:p>
+        </p:txBody>
+      </p:sp>
+      <p:sp>
+        <p:nvSpPr>
+          <p:cNvPr id="4" name="Title 3"/>
+          <p:cNvSpPr>
+            <a:spLocks noGrp="1"/>
+          </p:cNvSpPr>
+          <p:nvPr>
+            <p:ph type="title"/>
+          </p:nvPr>
+        </p:nvSpPr>
+        <p:spPr/>
+        <p:txBody>
+          <a:bodyPr/>
+          <a:lstStyle/>
+          <a:p>
+            <a:r>
+              <a:rPr lang="lv-LV" dirty="0"/>
+              <a:t>GitHub</a:t>
+            </a:r>
+            <a:endParaRPr lang="en-US" dirty="0"/>
+          </a:p>
+        </p:txBody>
+      </p:sp>
+    </p:spTree>
+    <p:extLst>
+      <p:ext uri="{BB962C8B-B14F-4D97-AF65-F5344CB8AC3E}">
+        <p14:creationId xmlns:p14="http://schemas.microsoft.com/office/powerpoint/2010/main" val="1958489785"/>
+      </p:ext>
+    </p:extLst>
+  </p:cSld>
+  <p:clrMapOvr>
+    <a:masterClrMapping/>
+  </p:clrMapOvr>
+</p:sld>
+</file>
+
+<file path=ppt/slides/slide17.xml><?xml version="1.0" encoding="utf-8"?>
+<p:sld xmlns:a="http://schemas.openxmlformats.org/drawingml/2006/main" xmlns:r="http://schemas.openxmlformats.org/officeDocument/2006/relationships" xmlns:p="http://schemas.openxmlformats.org/presentationml/2006/main">
+  <p:cSld>
+    <p:spTree>
+      <p:nvGrpSpPr>
+        <p:cNvPr id="1" name=""/>
+        <p:cNvGrpSpPr/>
+        <p:nvPr/>
+      </p:nvGrpSpPr>
+      <p:grpSpPr>
+        <a:xfrm>
+          <a:off x="0" y="0"/>
+          <a:ext cx="0" cy="0"/>
+          <a:chOff x="0" y="0"/>
+          <a:chExt cx="0" cy="0"/>
+        </a:xfrm>
+      </p:grpSpPr>
+      <p:sp>
+        <p:nvSpPr>
+          <p:cNvPr id="2" name="Content Placeholder 1"/>
+          <p:cNvSpPr>
+            <a:spLocks noGrp="1"/>
+          </p:cNvSpPr>
+          <p:nvPr>
+            <p:ph idx="1"/>
+          </p:nvPr>
+        </p:nvSpPr>
+        <p:spPr/>
+        <p:txBody>
+          <a:bodyPr/>
+          <a:lstStyle/>
+          <a:p>
+            <a:r>
+              <a:rPr lang="lv-LV" dirty="0" smtClean="0"/>
+              <a:t>Vienmēr rebase pirms pull</a:t>
+            </a:r>
+          </a:p>
+          <a:p>
+            <a:r>
+              <a:rPr lang="lv-LV" dirty="0" smtClean="0"/>
+              <a:t>Jaunas izmaiņas taisam jaunā brancha</a:t>
+            </a:r>
+          </a:p>
+          <a:p>
+            <a:r>
+              <a:rPr lang="lv-LV" dirty="0" smtClean="0"/>
+              <a:t>Kad pabeidzam izmaiņas nosutam uz globalo repo</a:t>
+            </a:r>
+          </a:p>
+          <a:p>
+            <a:r>
+              <a:rPr lang="lv-LV" dirty="0" smtClean="0"/>
+              <a:t>Kad izmaiņas apstiprinātas liekam tās prod kodā</a:t>
+            </a:r>
+          </a:p>
+          <a:p>
+            <a:r>
+              <a:rPr lang="lv-LV" smtClean="0"/>
+              <a:t>Varam izmantot Git merge request</a:t>
+            </a:r>
+            <a:endParaRPr lang="lv-LV" dirty="0" smtClean="0"/>
+          </a:p>
+          <a:p>
+            <a:r>
+              <a:rPr lang="lv-LV" dirty="0" smtClean="0"/>
+              <a:t>Ja problēmas ar commit un domā sāksies experimenti ar komandām tad manuāli uztaisi kopiju darbam.</a:t>
+            </a:r>
+            <a:endParaRPr lang="en-US" dirty="0"/>
+          </a:p>
+        </p:txBody>
+      </p:sp>
+      <p:sp>
+        <p:nvSpPr>
+          <p:cNvPr id="3" name="Slide Number Placeholder 2"/>
+          <p:cNvSpPr>
+            <a:spLocks noGrp="1"/>
+          </p:cNvSpPr>
+          <p:nvPr>
+            <p:ph type="sldNum" sz="quarter" idx="12"/>
+          </p:nvPr>
+        </p:nvSpPr>
+        <p:spPr/>
+        <p:txBody>
+          <a:bodyPr/>
+          <a:lstStyle/>
+          <a:p>
+            <a:fld id="{7026AADC-AE3C-43FA-A070-99E28E27F530}" type="slidenum">
+              <a:rPr lang="en-US" smtClean="0"/>
+              <a:t>17</a:t>
+            </a:fld>
+            <a:endParaRPr lang="en-US"/>
+          </a:p>
+        </p:txBody>
+      </p:sp>
+      <p:sp>
+        <p:nvSpPr>
+          <p:cNvPr id="4" name="Title 3"/>
+          <p:cNvSpPr>
+            <a:spLocks noGrp="1"/>
+          </p:cNvSpPr>
+          <p:nvPr>
+            <p:ph type="title"/>
+          </p:nvPr>
+        </p:nvSpPr>
+        <p:spPr/>
+        <p:txBody>
+          <a:bodyPr/>
+          <a:lstStyle/>
+          <a:p>
+            <a:r>
+              <a:rPr lang="lv-LV" dirty="0"/>
+              <a:t>GitHub</a:t>
+            </a:r>
+            <a:endParaRPr lang="en-US" dirty="0"/>
+          </a:p>
+        </p:txBody>
+      </p:sp>
+    </p:spTree>
+    <p:extLst>
+      <p:ext uri="{BB962C8B-B14F-4D97-AF65-F5344CB8AC3E}">
+        <p14:creationId xmlns:p14="http://schemas.microsoft.com/office/powerpoint/2010/main" val="844679180"/>
+      </p:ext>
+    </p:extLst>
+  </p:cSld>
+  <p:clrMapOvr>
+    <a:masterClrMapping/>
+  </p:clrMapOvr>
+</p:sld>
+</file>
+
+<file path=ppt/slides/slide18.xml><?xml version="1.0" encoding="utf-8"?>
+<p:sld xmlns:a="http://schemas.openxmlformats.org/drawingml/2006/main" xmlns:r="http://schemas.openxmlformats.org/officeDocument/2006/relationships" xmlns:p="http://schemas.openxmlformats.org/presentationml/2006/main">
+  <p:cSld>
+    <p:spTree>
+      <p:nvGrpSpPr>
+        <p:cNvPr id="1" name=""/>
+        <p:cNvGrpSpPr/>
+        <p:nvPr/>
+      </p:nvGrpSpPr>
+      <p:grpSpPr>
+        <a:xfrm>
+          <a:off x="0" y="0"/>
+          <a:ext cx="0" cy="0"/>
+          <a:chOff x="0" y="0"/>
+          <a:chExt cx="0" cy="0"/>
+        </a:xfrm>
+      </p:grpSpPr>
+      <p:sp>
+        <p:nvSpPr>
+          <p:cNvPr id="2" name="Content Placeholder 1"/>
+          <p:cNvSpPr>
+            <a:spLocks noGrp="1"/>
+          </p:cNvSpPr>
+          <p:nvPr>
+            <p:ph idx="1"/>
+          </p:nvPr>
+        </p:nvSpPr>
+        <p:spPr/>
+        <p:txBody>
           <a:bodyPr/>
           <a:lstStyle/>
           <a:p>
@@ -6261,7 +6778,7 @@
           <a:p>
             <a:fld id="{7026AADC-AE3C-43FA-A070-99E28E27F530}" type="slidenum">
               <a:rPr lang="en-US" smtClean="0"/>
-              <a:t>16</a:t>
+              <a:t>18</a:t>
             </a:fld>
             <a:endParaRPr lang="en-US"/>
           </a:p>

--- a/Presentation/1_Nodarbība.pptx
+++ b/Presentation/1_Nodarbība.pptx
@@ -5,7 +5,7 @@
     <p:sldMasterId id="2147483660" r:id="rId1"/>
   </p:sldMasterIdLst>
   <p:notesMasterIdLst>
-    <p:notesMasterId r:id="rId20"/>
+    <p:notesMasterId r:id="rId21"/>
   </p:notesMasterIdLst>
   <p:sldIdLst>
     <p:sldId id="256" r:id="rId2"/>
@@ -25,7 +25,8 @@
     <p:sldId id="271" r:id="rId16"/>
     <p:sldId id="272" r:id="rId17"/>
     <p:sldId id="273" r:id="rId18"/>
-    <p:sldId id="269" r:id="rId19"/>
+    <p:sldId id="274" r:id="rId19"/>
+    <p:sldId id="269" r:id="rId20"/>
   </p:sldIdLst>
   <p:sldSz cx="9144000" cy="6858000" type="screen4x3"/>
   <p:notesSz cx="6858000" cy="9144000"/>
@@ -6698,6 +6699,210 @@
       </p:grpSpPr>
       <p:sp>
         <p:nvSpPr>
+          <p:cNvPr id="3" name="Slide Number Placeholder 2"/>
+          <p:cNvSpPr>
+            <a:spLocks noGrp="1"/>
+          </p:cNvSpPr>
+          <p:nvPr>
+            <p:ph type="sldNum" sz="quarter" idx="12"/>
+          </p:nvPr>
+        </p:nvSpPr>
+        <p:spPr/>
+        <p:txBody>
+          <a:bodyPr/>
+          <a:lstStyle/>
+          <a:p>
+            <a:fld id="{7026AADC-AE3C-43FA-A070-99E28E27F530}" type="slidenum">
+              <a:rPr lang="en-US" smtClean="0"/>
+              <a:t>18</a:t>
+            </a:fld>
+            <a:endParaRPr lang="en-US"/>
+          </a:p>
+        </p:txBody>
+      </p:sp>
+      <p:sp>
+        <p:nvSpPr>
+          <p:cNvPr id="4" name="Title 3"/>
+          <p:cNvSpPr>
+            <a:spLocks noGrp="1"/>
+          </p:cNvSpPr>
+          <p:nvPr>
+            <p:ph type="title"/>
+          </p:nvPr>
+        </p:nvSpPr>
+        <p:spPr/>
+        <p:txBody>
+          <a:bodyPr/>
+          <a:lstStyle/>
+          <a:p>
+            <a:r>
+              <a:rPr lang="lv-LV" dirty="0" smtClean="0"/>
+              <a:t>GitHub</a:t>
+            </a:r>
+            <a:endParaRPr lang="en-US" dirty="0"/>
+          </a:p>
+        </p:txBody>
+      </p:sp>
+      <p:pic>
+        <p:nvPicPr>
+          <p:cNvPr id="1026" name="Picture 2"/>
+          <p:cNvPicPr>
+            <a:picLocks noChangeAspect="1" noChangeArrowheads="1"/>
+          </p:cNvPicPr>
+          <p:nvPr/>
+        </p:nvPicPr>
+        <p:blipFill>
+          <a:blip r:embed="rId2">
+            <a:extLst>
+              <a:ext uri="{28A0092B-C50C-407E-A947-70E740481C1C}">
+                <a14:useLocalDpi xmlns:a14="http://schemas.microsoft.com/office/drawing/2010/main" val="0"/>
+              </a:ext>
+            </a:extLst>
+          </a:blip>
+          <a:srcRect/>
+          <a:stretch>
+            <a:fillRect/>
+          </a:stretch>
+        </p:blipFill>
+        <p:spPr bwMode="auto">
+          <a:xfrm>
+            <a:off x="5508104" y="1484784"/>
+            <a:ext cx="3511550" cy="4692650"/>
+          </a:xfrm>
+          <a:prstGeom prst="rect">
+            <a:avLst/>
+          </a:prstGeom>
+          <a:noFill/>
+          <a:ln>
+            <a:noFill/>
+          </a:ln>
+          <a:effectLst/>
+          <a:extLst>
+            <a:ext uri="{909E8E84-426E-40DD-AFC4-6F175D3DCCD1}">
+              <a14:hiddenFill xmlns:a14="http://schemas.microsoft.com/office/drawing/2010/main">
+                <a:solidFill>
+                  <a:schemeClr val="accent1"/>
+                </a:solidFill>
+              </a14:hiddenFill>
+            </a:ext>
+            <a:ext uri="{91240B29-F687-4F45-9708-019B960494DF}">
+              <a14:hiddenLine xmlns:a14="http://schemas.microsoft.com/office/drawing/2010/main" w="9525">
+                <a:solidFill>
+                  <a:schemeClr val="tx1"/>
+                </a:solidFill>
+                <a:miter lim="800000"/>
+                <a:headEnd/>
+                <a:tailEnd/>
+              </a14:hiddenLine>
+            </a:ext>
+            <a:ext uri="{AF507438-7753-43E0-B8FC-AC1667EBCBE1}">
+              <a14:hiddenEffects xmlns:a14="http://schemas.microsoft.com/office/drawing/2010/main">
+                <a:effectLst>
+                  <a:outerShdw dist="35921" dir="2700000" algn="ctr" rotWithShape="0">
+                    <a:schemeClr val="bg2"/>
+                  </a:outerShdw>
+                </a:effectLst>
+              </a14:hiddenEffects>
+            </a:ext>
+          </a:extLst>
+        </p:spPr>
+      </p:pic>
+      <p:pic>
+        <p:nvPicPr>
+          <p:cNvPr id="1027" name="Picture 3"/>
+          <p:cNvPicPr>
+            <a:picLocks noChangeAspect="1" noChangeArrowheads="1"/>
+          </p:cNvPicPr>
+          <p:nvPr/>
+        </p:nvPicPr>
+        <p:blipFill>
+          <a:blip r:embed="rId3">
+            <a:extLst>
+              <a:ext uri="{28A0092B-C50C-407E-A947-70E740481C1C}">
+                <a14:useLocalDpi xmlns:a14="http://schemas.microsoft.com/office/drawing/2010/main" val="0"/>
+              </a:ext>
+            </a:extLst>
+          </a:blip>
+          <a:srcRect/>
+          <a:stretch>
+            <a:fillRect/>
+          </a:stretch>
+        </p:blipFill>
+        <p:spPr bwMode="auto">
+          <a:xfrm>
+            <a:off x="204788" y="1196752"/>
+            <a:ext cx="6002275" cy="3436417"/>
+          </a:xfrm>
+          <a:prstGeom prst="rect">
+            <a:avLst/>
+          </a:prstGeom>
+          <a:noFill/>
+          <a:ln>
+            <a:noFill/>
+          </a:ln>
+          <a:effectLst/>
+          <a:extLst>
+            <a:ext uri="{909E8E84-426E-40DD-AFC4-6F175D3DCCD1}">
+              <a14:hiddenFill xmlns:a14="http://schemas.microsoft.com/office/drawing/2010/main">
+                <a:solidFill>
+                  <a:schemeClr val="accent1"/>
+                </a:solidFill>
+              </a14:hiddenFill>
+            </a:ext>
+            <a:ext uri="{91240B29-F687-4F45-9708-019B960494DF}">
+              <a14:hiddenLine xmlns:a14="http://schemas.microsoft.com/office/drawing/2010/main" w="9525">
+                <a:solidFill>
+                  <a:schemeClr val="tx1"/>
+                </a:solidFill>
+                <a:miter lim="800000"/>
+                <a:headEnd/>
+                <a:tailEnd/>
+              </a14:hiddenLine>
+            </a:ext>
+            <a:ext uri="{AF507438-7753-43E0-B8FC-AC1667EBCBE1}">
+              <a14:hiddenEffects xmlns:a14="http://schemas.microsoft.com/office/drawing/2010/main">
+                <a:effectLst>
+                  <a:outerShdw dist="35921" dir="2700000" algn="ctr" rotWithShape="0">
+                    <a:schemeClr val="bg2"/>
+                  </a:outerShdw>
+                </a:effectLst>
+              </a14:hiddenEffects>
+            </a:ext>
+          </a:extLst>
+        </p:spPr>
+      </p:pic>
+    </p:spTree>
+    <p:extLst>
+      <p:ext uri="{BB962C8B-B14F-4D97-AF65-F5344CB8AC3E}">
+        <p14:creationId xmlns:p14="http://schemas.microsoft.com/office/powerpoint/2010/main" val="693818452"/>
+      </p:ext>
+    </p:extLst>
+  </p:cSld>
+  <p:clrMapOvr>
+    <a:masterClrMapping/>
+  </p:clrMapOvr>
+</p:sld>
+</file>
+
+<file path=ppt/slides/slide19.xml><?xml version="1.0" encoding="utf-8"?>
+<p:sld xmlns:a="http://schemas.openxmlformats.org/drawingml/2006/main" xmlns:r="http://schemas.openxmlformats.org/officeDocument/2006/relationships" xmlns:p="http://schemas.openxmlformats.org/presentationml/2006/main">
+  <p:cSld>
+    <p:spTree>
+      <p:nvGrpSpPr>
+        <p:cNvPr id="1" name=""/>
+        <p:cNvGrpSpPr/>
+        <p:nvPr/>
+      </p:nvGrpSpPr>
+      <p:grpSpPr>
+        <a:xfrm>
+          <a:off x="0" y="0"/>
+          <a:ext cx="0" cy="0"/>
+          <a:chOff x="0" y="0"/>
+          <a:chExt cx="0" cy="0"/>
+        </a:xfrm>
+      </p:grpSpPr>
+      <p:sp>
+        <p:nvSpPr>
           <p:cNvPr id="2" name="Content Placeholder 1"/>
           <p:cNvSpPr>
             <a:spLocks noGrp="1"/>
@@ -6778,7 +6983,7 @@
           <a:p>
             <a:fld id="{7026AADC-AE3C-43FA-A070-99E28E27F530}" type="slidenum">
               <a:rPr lang="en-US" smtClean="0"/>
-              <a:t>18</a:t>
+              <a:t>19</a:t>
             </a:fld>
             <a:endParaRPr lang="en-US"/>
           </a:p>
